--- a/Congressional Activity Presentation.pptx
+++ b/Congressional Activity Presentation.pptx
@@ -159,7 +159,7 @@
 <file path=ppt/revisionInfo.xml><?xml version="1.0" encoding="utf-8"?>
 <p1510:revInfo xmlns:a="http://schemas.openxmlformats.org/drawingml/2006/main" xmlns:r="http://schemas.openxmlformats.org/officeDocument/2006/relationships" xmlns:p1510="http://schemas.microsoft.com/office/powerpoint/2015/10/main">
   <p1510:revLst>
-    <p1510:client id="{6D213C2C-0BAE-4945-9597-5DD83DE25937}" v="1659" dt="2024-04-17T15:15:32.940"/>
+    <p1510:client id="{6D213C2C-0BAE-4945-9597-5DD83DE25937}" v="1660" dt="2024-04-17T19:50:28.895"/>
   </p1510:revLst>
 </p1510:revInfo>
 </file>
@@ -955,7 +955,7 @@
   <pc:docChgLst>
     <pc:chgData name="Tami McManus" userId="4a41d8b392a254fb" providerId="LiveId" clId="{6D213C2C-0BAE-4945-9597-5DD83DE25937}"/>
     <pc:docChg chg="undo redo custSel addSld delSld modSld sldOrd">
-      <pc:chgData name="Tami McManus" userId="4a41d8b392a254fb" providerId="LiveId" clId="{6D213C2C-0BAE-4945-9597-5DD83DE25937}" dt="2024-04-17T15:21:38.670" v="7846" actId="20577"/>
+      <pc:chgData name="Tami McManus" userId="4a41d8b392a254fb" providerId="LiveId" clId="{6D213C2C-0BAE-4945-9597-5DD83DE25937}" dt="2024-04-17T19:51:17.284" v="7906" actId="27636"/>
       <pc:docMkLst>
         <pc:docMk/>
       </pc:docMkLst>
@@ -1012,13 +1012,13 @@
         </pc:spChg>
       </pc:sldChg>
       <pc:sldChg chg="modSp mod">
-        <pc:chgData name="Tami McManus" userId="4a41d8b392a254fb" providerId="LiveId" clId="{6D213C2C-0BAE-4945-9597-5DD83DE25937}" dt="2024-04-17T15:21:38.670" v="7846" actId="20577"/>
+        <pc:chgData name="Tami McManus" userId="4a41d8b392a254fb" providerId="LiveId" clId="{6D213C2C-0BAE-4945-9597-5DD83DE25937}" dt="2024-04-17T19:51:17.284" v="7906" actId="27636"/>
         <pc:sldMkLst>
           <pc:docMk/>
           <pc:sldMk cId="2700939481" sldId="414"/>
         </pc:sldMkLst>
         <pc:spChg chg="mod">
-          <ac:chgData name="Tami McManus" userId="4a41d8b392a254fb" providerId="LiveId" clId="{6D213C2C-0BAE-4945-9597-5DD83DE25937}" dt="2024-04-17T15:21:38.670" v="7846" actId="20577"/>
+          <ac:chgData name="Tami McManus" userId="4a41d8b392a254fb" providerId="LiveId" clId="{6D213C2C-0BAE-4945-9597-5DD83DE25937}" dt="2024-04-17T19:51:17.284" v="7906" actId="27636"/>
           <ac:spMkLst>
             <pc:docMk/>
             <pc:sldMk cId="2700939481" sldId="414"/>
@@ -1302,7 +1302,7 @@
         </pc:graphicFrameChg>
       </pc:sldChg>
       <pc:sldChg chg="modSp add mod">
-        <pc:chgData name="Tami McManus" userId="4a41d8b392a254fb" providerId="LiveId" clId="{6D213C2C-0BAE-4945-9597-5DD83DE25937}" dt="2024-04-09T13:50:38.856" v="1779" actId="27636"/>
+        <pc:chgData name="Tami McManus" userId="4a41d8b392a254fb" providerId="LiveId" clId="{6D213C2C-0BAE-4945-9597-5DD83DE25937}" dt="2024-04-17T19:50:55.621" v="7900" actId="20577"/>
         <pc:sldMkLst>
           <pc:docMk/>
           <pc:sldMk cId="3593647145" sldId="432"/>
@@ -1316,7 +1316,7 @@
           </ac:spMkLst>
         </pc:spChg>
         <pc:spChg chg="mod">
-          <ac:chgData name="Tami McManus" userId="4a41d8b392a254fb" providerId="LiveId" clId="{6D213C2C-0BAE-4945-9597-5DD83DE25937}" dt="2024-04-09T13:50:38.856" v="1779" actId="27636"/>
+          <ac:chgData name="Tami McManus" userId="4a41d8b392a254fb" providerId="LiveId" clId="{6D213C2C-0BAE-4945-9597-5DD83DE25937}" dt="2024-04-17T19:50:55.621" v="7900" actId="20577"/>
           <ac:spMkLst>
             <pc:docMk/>
             <pc:sldMk cId="3593647145" sldId="432"/>
@@ -32118,7 +32118,7 @@
         </p:spPr>
         <p:txBody>
           <a:bodyPr tIns="0">
-            <a:normAutofit/>
+            <a:normAutofit lnSpcReduction="10000"/>
           </a:bodyPr>
           <a:lstStyle/>
           <a:p>
@@ -32270,6 +32270,57 @@
             </a:r>
           </a:p>
           <a:p>
+            <a:pPr marL="0" indent="0">
+              <a:lnSpc>
+                <a:spcPct val="100000"/>
+              </a:lnSpc>
+              <a:spcBef>
+                <a:spcPts val="0"/>
+              </a:spcBef>
+              <a:spcAft>
+                <a:spcPts val="1200"/>
+              </a:spcAft>
+              <a:buNone/>
+            </a:pPr>
+            <a:r>
+              <a:rPr lang="en-US" dirty="0">
+                <a:solidFill>
+                  <a:schemeClr val="bg1">
+                    <a:lumMod val="50000"/>
+                    <a:lumOff val="50000"/>
+                  </a:schemeClr>
+                </a:solidFill>
+                <a:latin typeface="Aptos" panose="020B0004020202020204" pitchFamily="34" charset="0"/>
+              </a:rPr>
+              <a:t>“Congressional Data Scrape”, [GitHub Repository],  </a:t>
+            </a:r>
+            <a:r>
+              <a:rPr lang="en-US" dirty="0">
+                <a:solidFill>
+                  <a:schemeClr val="bg1">
+                    <a:lumMod val="50000"/>
+                    <a:lumOff val="50000"/>
+                  </a:schemeClr>
+                </a:solidFill>
+                <a:latin typeface="Aptos" panose="020B0004020202020204" pitchFamily="34" charset="0"/>
+                <a:hlinkClick r:id="rId5"/>
+              </a:rPr>
+              <a:t>https://github.com/tamimcm416/congressional_data_scrape</a:t>
+            </a:r>
+            <a:r>
+              <a:rPr lang="en-US" dirty="0">
+                <a:solidFill>
+                  <a:schemeClr val="bg1">
+                    <a:lumMod val="50000"/>
+                    <a:lumOff val="50000"/>
+                  </a:schemeClr>
+                </a:solidFill>
+                <a:latin typeface="Aptos" panose="020B0004020202020204" pitchFamily="34" charset="0"/>
+              </a:rPr>
+              <a:t>, Accessed Mar 31, 2024.</a:t>
+            </a:r>
+          </a:p>
+          <a:p>
             <a:pPr>
               <a:lnSpc>
                 <a:spcPct val="100000"/>
@@ -32318,18 +32369,18 @@
               <a:t>, </a:t>
             </a:r>
             <a:r>
-              <a:rPr lang="en-US" sz="1800" b="0" i="0" u="none" strike="noStrike" dirty="0">
+              <a:rPr lang="en-US" sz="2000" b="0" i="0" u="none" strike="noStrike" dirty="0">
                 <a:solidFill>
                   <a:srgbClr val="000000"/>
                 </a:solidFill>
                 <a:effectLst/>
                 <a:latin typeface="Aptos Narrow" panose="020B0004020202020204" pitchFamily="34" charset="0"/>
-                <a:hlinkClick r:id="rId5"/>
+                <a:hlinkClick r:id="rId6"/>
               </a:rPr>
               <a:t>https://www.congress.gov/search?q=%7B%22source%22%3A%22legislation%22%2C%22search%22%3A%22isRelatedToAppropriations%3AY%22%2C%22bill-status%22%3A%22law%22%7D</a:t>
             </a:r>
             <a:r>
-              <a:rPr lang="en-US" sz="1800" b="0" i="0" u="none" strike="noStrike" dirty="0">
+              <a:rPr lang="en-US" sz="2000" b="0" i="0" u="none" strike="noStrike" dirty="0">
                 <a:solidFill>
                   <a:srgbClr val="000000"/>
                 </a:solidFill>
@@ -32350,78 +32401,6 @@
               </a:rPr>
               <a:t>Accessed Apr 7, 2024.</a:t>
             </a:r>
-          </a:p>
-          <a:p>
-            <a:pPr marL="0" indent="0">
-              <a:lnSpc>
-                <a:spcPct val="100000"/>
-              </a:lnSpc>
-              <a:spcBef>
-                <a:spcPts val="0"/>
-              </a:spcBef>
-              <a:spcAft>
-                <a:spcPts val="1200"/>
-              </a:spcAft>
-              <a:buNone/>
-            </a:pPr>
-            <a:r>
-              <a:rPr lang="en-US" dirty="0">
-                <a:solidFill>
-                  <a:schemeClr val="bg1">
-                    <a:lumMod val="50000"/>
-                    <a:lumOff val="50000"/>
-                  </a:schemeClr>
-                </a:solidFill>
-                <a:latin typeface="Aptos" panose="020B0004020202020204" pitchFamily="34" charset="0"/>
-              </a:rPr>
-              <a:t>“Congressional Data Scrape”, [</a:t>
-            </a:r>
-            <a:r>
-              <a:rPr lang="en-US">
-                <a:solidFill>
-                  <a:schemeClr val="bg1">
-                    <a:lumMod val="50000"/>
-                    <a:lumOff val="50000"/>
-                  </a:schemeClr>
-                </a:solidFill>
-                <a:latin typeface="Aptos" panose="020B0004020202020204" pitchFamily="34" charset="0"/>
-              </a:rPr>
-              <a:t>GitHub Repository],  </a:t>
-            </a:r>
-            <a:r>
-              <a:rPr lang="en-US" dirty="0">
-                <a:solidFill>
-                  <a:schemeClr val="bg1">
-                    <a:lumMod val="50000"/>
-                    <a:lumOff val="50000"/>
-                  </a:schemeClr>
-                </a:solidFill>
-                <a:latin typeface="Aptos" panose="020B0004020202020204" pitchFamily="34" charset="0"/>
-                <a:hlinkClick r:id="rId6"/>
-              </a:rPr>
-              <a:t>https://github.com/tamimcm416/congressional_data_scrape</a:t>
-            </a:r>
-            <a:r>
-              <a:rPr lang="en-US">
-                <a:solidFill>
-                  <a:schemeClr val="bg1">
-                    <a:lumMod val="50000"/>
-                    <a:lumOff val="50000"/>
-                  </a:schemeClr>
-                </a:solidFill>
-                <a:latin typeface="Aptos" panose="020B0004020202020204" pitchFamily="34" charset="0"/>
-              </a:rPr>
-              <a:t>, Accessed Mar 31, 2024.</a:t>
-            </a:r>
-            <a:endParaRPr lang="en-US" sz="2000" b="0" dirty="0">
-              <a:solidFill>
-                <a:schemeClr val="bg1">
-                  <a:lumMod val="50000"/>
-                  <a:lumOff val="50000"/>
-                </a:schemeClr>
-              </a:solidFill>
-              <a:latin typeface="Aptos" panose="020B0004020202020204" pitchFamily="34" charset="0"/>
-            </a:endParaRPr>
           </a:p>
         </p:txBody>
       </p:sp>
@@ -32530,7 +32509,7 @@
               <a:buNone/>
             </a:pPr>
             <a:r>
-              <a:rPr lang="en-US">
+              <a:rPr lang="en-US" dirty="0">
                 <a:solidFill>
                   <a:schemeClr val="bg1">
                     <a:lumMod val="50000"/>
@@ -32539,7 +32518,19 @@
                 </a:solidFill>
                 <a:latin typeface="Aptos" panose="020B0004020202020204" pitchFamily="34" charset="0"/>
               </a:rPr>
-              <a:t>“</a:t>
+              <a:t>“List of presidents of the United States”, </a:t>
+            </a:r>
+            <a:r>
+              <a:rPr lang="en-US" i="1" dirty="0">
+                <a:solidFill>
+                  <a:schemeClr val="bg1">
+                    <a:lumMod val="50000"/>
+                    <a:lumOff val="50000"/>
+                  </a:schemeClr>
+                </a:solidFill>
+                <a:latin typeface="Aptos" panose="020B0004020202020204" pitchFamily="34" charset="0"/>
+              </a:rPr>
+              <a:t>Wikipedia</a:t>
             </a:r>
             <a:r>
               <a:rPr lang="en-US" dirty="0">
@@ -32551,7 +32542,58 @@
                 </a:solidFill>
                 <a:latin typeface="Aptos" panose="020B0004020202020204" pitchFamily="34" charset="0"/>
               </a:rPr>
-              <a:t>Vital Statistics on Congress.” Chapter 1, </a:t>
+              <a:t>, </a:t>
+            </a:r>
+            <a:r>
+              <a:rPr lang="en-US" dirty="0">
+                <a:solidFill>
+                  <a:schemeClr val="bg1">
+                    <a:lumMod val="50000"/>
+                    <a:lumOff val="50000"/>
+                  </a:schemeClr>
+                </a:solidFill>
+                <a:latin typeface="Aptos" panose="020B0004020202020204" pitchFamily="34" charset="0"/>
+                <a:hlinkClick r:id="rId3"/>
+              </a:rPr>
+              <a:t>https://en.wikipedia.org/wiki/List_of_presidents_of_the_United_States</a:t>
+            </a:r>
+            <a:r>
+              <a:rPr lang="en-US" dirty="0">
+                <a:solidFill>
+                  <a:schemeClr val="bg1">
+                    <a:lumMod val="50000"/>
+                    <a:lumOff val="50000"/>
+                  </a:schemeClr>
+                </a:solidFill>
+                <a:latin typeface="Aptos" panose="020B0004020202020204" pitchFamily="34" charset="0"/>
+              </a:rPr>
+              <a:t>. Accessed Apr 11, 2024</a:t>
+            </a:r>
+          </a:p>
+          <a:p>
+            <a:pPr marL="0" indent="0">
+              <a:lnSpc>
+                <a:spcPct val="100000"/>
+              </a:lnSpc>
+              <a:spcBef>
+                <a:spcPts val="0"/>
+              </a:spcBef>
+              <a:spcAft>
+                <a:spcPts val="1200"/>
+              </a:spcAft>
+              <a:buNone/>
+            </a:pPr>
+            <a:r>
+              <a:rPr lang="en-US" dirty="0">
+                <a:solidFill>
+                  <a:schemeClr val="bg1">
+                    <a:lumMod val="50000"/>
+                    <a:lumOff val="50000"/>
+                  </a:schemeClr>
+                </a:solidFill>
+                <a:latin typeface="Aptos" panose="020B0004020202020204" pitchFamily="34" charset="0"/>
+              </a:rPr>
+              <a:t>“Vital Statistics on Congress.” Chapter 1, </a:t>
             </a:r>
             <a:r>
               <a:rPr lang="en-US" i="1" dirty="0">
@@ -32586,7 +32628,7 @@
                   </a:schemeClr>
                 </a:solidFill>
                 <a:latin typeface="Aptos" panose="020B0004020202020204" pitchFamily="34" charset="0"/>
-                <a:hlinkClick r:id="rId3"/>
+                <a:hlinkClick r:id="rId4"/>
               </a:rPr>
               <a:t>https://www.brookings.edu/articles/vital-statistics-on-congress/</a:t>
             </a:r>
@@ -35202,6 +35244,15 @@
 </file>
 
 <file path=customXml/item1.xml><?xml version="1.0" encoding="utf-8"?>
+<?mso-contentType ?>
+<FormTemplates xmlns="http://schemas.microsoft.com/sharepoint/v3/contenttype/forms">
+  <Display>DocumentLibraryForm</Display>
+  <Edit>DocumentLibraryForm</Edit>
+  <New>DocumentLibraryForm</New>
+</FormTemplates>
+</file>
+
+<file path=customXml/item2.xml><?xml version="1.0" encoding="utf-8"?>
 <ct:contentTypeSchema xmlns:ct="http://schemas.microsoft.com/office/2006/metadata/contentType" xmlns:ma="http://schemas.microsoft.com/office/2006/metadata/properties/metaAttributes" ct:_="" ma:_="" ma:contentTypeName="Document" ma:contentTypeID="0x01010079F111ED35F8CC479449609E8A0923A6" ma:contentTypeVersion="28" ma:contentTypeDescription="Create a new document." ma:contentTypeScope="" ma:versionID="60f5a4f2d2b0abadcf532d48ebf9cb71">
   <xsd:schema xmlns:xsd="http://www.w3.org/2001/XMLSchema" xmlns:xs="http://www.w3.org/2001/XMLSchema" xmlns:p="http://schemas.microsoft.com/office/2006/metadata/properties" xmlns:ns1="http://schemas.microsoft.com/sharepoint/v3" xmlns:ns2="71af3243-3dd4-4a8d-8c0d-dd76da1f02a5" xmlns:ns3="16c05727-aa75-4e4a-9b5f-8a80a1165891" xmlns:ns4="230e9df3-be65-4c73-a93b-d1236ebd677e" targetNamespace="http://schemas.microsoft.com/office/2006/metadata/properties" ma:root="true" ma:fieldsID="7dd78129e6a1811f84807ad11c651531" ns1:_="" ns2:_="" ns3:_="" ns4:_="">
     <xsd:import namespace="http://schemas.microsoft.com/sharepoint/v3"/>
@@ -35513,15 +35564,6 @@
 </ct:contentTypeSchema>
 </file>
 
-<file path=customXml/item2.xml><?xml version="1.0" encoding="utf-8"?>
-<?mso-contentType ?>
-<FormTemplates xmlns="http://schemas.microsoft.com/sharepoint/v3/contenttype/forms">
-  <Display>DocumentLibraryForm</Display>
-  <Edit>DocumentLibraryForm</Edit>
-  <New>DocumentLibraryForm</New>
-</FormTemplates>
-</file>
-
 <file path=customXml/item3.xml><?xml version="1.0" encoding="utf-8"?>
 <p:properties xmlns:p="http://schemas.microsoft.com/office/2006/metadata/properties" xmlns:xsi="http://www.w3.org/2001/XMLSchema-instance" xmlns:pc="http://schemas.microsoft.com/office/infopath/2007/PartnerControls">
   <documentManagement>
@@ -35543,6 +35585,14 @@
 </file>
 
 <file path=customXml/itemProps1.xml><?xml version="1.0" encoding="utf-8"?>
+<ds:datastoreItem xmlns:ds="http://schemas.openxmlformats.org/officeDocument/2006/customXml" ds:itemID="{C21FFAC0-05A2-416A-B06C-C248395482CF}">
+  <ds:schemaRefs>
+    <ds:schemaRef ds:uri="http://schemas.microsoft.com/sharepoint/v3/contenttype/forms"/>
+  </ds:schemaRefs>
+</ds:datastoreItem>
+</file>
+
+<file path=customXml/itemProps2.xml><?xml version="1.0" encoding="utf-8"?>
 <ds:datastoreItem xmlns:ds="http://schemas.openxmlformats.org/officeDocument/2006/customXml" ds:itemID="{92DB9E12-8AC3-4138-BF4D-720A5525AB10}">
   <ds:schemaRefs>
     <ds:schemaRef ds:uri="http://schemas.microsoft.com/office/2006/metadata/contentType"/>
@@ -35563,14 +35613,6 @@
 </ds:datastoreItem>
 </file>
 
-<file path=customXml/itemProps2.xml><?xml version="1.0" encoding="utf-8"?>
-<ds:datastoreItem xmlns:ds="http://schemas.openxmlformats.org/officeDocument/2006/customXml" ds:itemID="{C21FFAC0-05A2-416A-B06C-C248395482CF}">
-  <ds:schemaRefs>
-    <ds:schemaRef ds:uri="http://schemas.microsoft.com/sharepoint/v3/contenttype/forms"/>
-  </ds:schemaRefs>
-</ds:datastoreItem>
-</file>
-
 <file path=customXml/itemProps3.xml><?xml version="1.0" encoding="utf-8"?>
 <ds:datastoreItem xmlns:ds="http://schemas.openxmlformats.org/officeDocument/2006/customXml" ds:itemID="{4F4B194E-8B30-4377-8C59-ECFB902D2A26}">
   <ds:schemaRefs>

--- a/Congressional Activity Presentation.pptx
+++ b/Congressional Activity Presentation.pptx
@@ -167,1638 +167,26 @@
 <file path=ppt/changesInfos/changesInfo1.xml><?xml version="1.0" encoding="utf-8"?>
 <pc:chgInfo xmlns:a="http://schemas.openxmlformats.org/drawingml/2006/main" xmlns:r="http://schemas.openxmlformats.org/officeDocument/2006/relationships" xmlns:ac="http://schemas.microsoft.com/office/drawing/2013/main/command" xmlns:pc="http://schemas.microsoft.com/office/powerpoint/2013/main/command">
   <pc:docChgLst>
-    <pc:chgData name="Tami McManus" userId="4a41d8b392a254fb" providerId="LiveId" clId="{9191BEC2-6AE4-48D9-823E-5DD1F0CEE208}"/>
-    <pc:docChg chg="undo redo custSel addSld delSld modSld sldOrd">
-      <pc:chgData name="Tami McManus" userId="4a41d8b392a254fb" providerId="LiveId" clId="{9191BEC2-6AE4-48D9-823E-5DD1F0CEE208}" dt="2024-03-03T00:44:26.774" v="10430" actId="13926"/>
+    <pc:chgData name="Tami McManus" userId="4a41d8b392a254fb" providerId="LiveId" clId="{6D213C2C-0BAE-4945-9597-5DD83DE25937}"/>
+    <pc:docChg chg="custSel modSld">
+      <pc:chgData name="Tami McManus" userId="4a41d8b392a254fb" providerId="LiveId" clId="{6D213C2C-0BAE-4945-9597-5DD83DE25937}" dt="2024-04-17T22:51:46.429" v="0" actId="478"/>
       <pc:docMkLst>
         <pc:docMk/>
       </pc:docMkLst>
-      <pc:sldChg chg="modSp mod">
-        <pc:chgData name="Tami McManus" userId="4a41d8b392a254fb" providerId="LiveId" clId="{9191BEC2-6AE4-48D9-823E-5DD1F0CEE208}" dt="2024-03-02T22:18:40.858" v="8063" actId="20577"/>
-        <pc:sldMkLst>
-          <pc:docMk/>
-          <pc:sldMk cId="3346685798" sldId="383"/>
-        </pc:sldMkLst>
-        <pc:spChg chg="mod">
-          <ac:chgData name="Tami McManus" userId="4a41d8b392a254fb" providerId="LiveId" clId="{9191BEC2-6AE4-48D9-823E-5DD1F0CEE208}" dt="2024-03-02T22:18:40.858" v="8063" actId="20577"/>
-          <ac:spMkLst>
-            <pc:docMk/>
-            <pc:sldMk cId="3346685798" sldId="383"/>
-            <ac:spMk id="3" creationId="{3B8EBC2C-6DD7-5003-38EB-40753046FE8C}"/>
-          </ac:spMkLst>
-        </pc:spChg>
-      </pc:sldChg>
-      <pc:sldChg chg="ord">
-        <pc:chgData name="Tami McManus" userId="4a41d8b392a254fb" providerId="LiveId" clId="{9191BEC2-6AE4-48D9-823E-5DD1F0CEE208}" dt="2024-03-02T22:18:53.251" v="8065"/>
-        <pc:sldMkLst>
-          <pc:docMk/>
-          <pc:sldMk cId="3200312026" sldId="391"/>
-        </pc:sldMkLst>
-      </pc:sldChg>
-      <pc:sldChg chg="del ord">
-        <pc:chgData name="Tami McManus" userId="4a41d8b392a254fb" providerId="LiveId" clId="{9191BEC2-6AE4-48D9-823E-5DD1F0CEE208}" dt="2024-02-28T15:49:51.776" v="1693" actId="47"/>
-        <pc:sldMkLst>
-          <pc:docMk/>
-          <pc:sldMk cId="2039059756" sldId="397"/>
-        </pc:sldMkLst>
-      </pc:sldChg>
-      <pc:sldChg chg="modSp mod ord">
-        <pc:chgData name="Tami McManus" userId="4a41d8b392a254fb" providerId="LiveId" clId="{9191BEC2-6AE4-48D9-823E-5DD1F0CEE208}" dt="2024-02-28T15:50:31.681" v="1704"/>
-        <pc:sldMkLst>
-          <pc:docMk/>
-          <pc:sldMk cId="4261132419" sldId="398"/>
-        </pc:sldMkLst>
-        <pc:spChg chg="mod">
-          <ac:chgData name="Tami McManus" userId="4a41d8b392a254fb" providerId="LiveId" clId="{9191BEC2-6AE4-48D9-823E-5DD1F0CEE208}" dt="2024-02-26T12:49:50.914" v="1651" actId="113"/>
-          <ac:spMkLst>
-            <pc:docMk/>
-            <pc:sldMk cId="4261132419" sldId="398"/>
-            <ac:spMk id="3" creationId="{8BE734F0-2DDD-AF70-F13D-F9E4C1929411}"/>
-          </ac:spMkLst>
-        </pc:spChg>
-      </pc:sldChg>
-      <pc:sldChg chg="del ord">
-        <pc:chgData name="Tami McManus" userId="4a41d8b392a254fb" providerId="LiveId" clId="{9191BEC2-6AE4-48D9-823E-5DD1F0CEE208}" dt="2024-02-28T15:50:02.875" v="1699" actId="47"/>
-        <pc:sldMkLst>
-          <pc:docMk/>
-          <pc:sldMk cId="752428618" sldId="403"/>
-        </pc:sldMkLst>
-      </pc:sldChg>
-      <pc:sldChg chg="del ord">
-        <pc:chgData name="Tami McManus" userId="4a41d8b392a254fb" providerId="LiveId" clId="{9191BEC2-6AE4-48D9-823E-5DD1F0CEE208}" dt="2024-02-28T15:50:01.876" v="1698" actId="47"/>
-        <pc:sldMkLst>
-          <pc:docMk/>
-          <pc:sldMk cId="1850768898" sldId="404"/>
-        </pc:sldMkLst>
-      </pc:sldChg>
-      <pc:sldChg chg="del ord">
-        <pc:chgData name="Tami McManus" userId="4a41d8b392a254fb" providerId="LiveId" clId="{9191BEC2-6AE4-48D9-823E-5DD1F0CEE208}" dt="2024-02-28T15:50:00.186" v="1697" actId="47"/>
-        <pc:sldMkLst>
-          <pc:docMk/>
-          <pc:sldMk cId="4127695141" sldId="405"/>
-        </pc:sldMkLst>
-      </pc:sldChg>
-      <pc:sldChg chg="del ord">
-        <pc:chgData name="Tami McManus" userId="4a41d8b392a254fb" providerId="LiveId" clId="{9191BEC2-6AE4-48D9-823E-5DD1F0CEE208}" dt="2024-02-28T15:49:59.109" v="1696" actId="47"/>
-        <pc:sldMkLst>
-          <pc:docMk/>
-          <pc:sldMk cId="298364507" sldId="406"/>
-        </pc:sldMkLst>
-      </pc:sldChg>
-      <pc:sldChg chg="del ord">
-        <pc:chgData name="Tami McManus" userId="4a41d8b392a254fb" providerId="LiveId" clId="{9191BEC2-6AE4-48D9-823E-5DD1F0CEE208}" dt="2024-02-28T15:49:57.183" v="1695" actId="47"/>
-        <pc:sldMkLst>
-          <pc:docMk/>
-          <pc:sldMk cId="3088225330" sldId="407"/>
-        </pc:sldMkLst>
-      </pc:sldChg>
-      <pc:sldChg chg="del ord">
-        <pc:chgData name="Tami McManus" userId="4a41d8b392a254fb" providerId="LiveId" clId="{9191BEC2-6AE4-48D9-823E-5DD1F0CEE208}" dt="2024-02-28T15:49:55.586" v="1694" actId="47"/>
-        <pc:sldMkLst>
-          <pc:docMk/>
-          <pc:sldMk cId="888484295" sldId="408"/>
-        </pc:sldMkLst>
-      </pc:sldChg>
-      <pc:sldChg chg="addSp modSp mod">
-        <pc:chgData name="Tami McManus" userId="4a41d8b392a254fb" providerId="LiveId" clId="{9191BEC2-6AE4-48D9-823E-5DD1F0CEE208}" dt="2024-03-01T17:30:21.591" v="8037" actId="20577"/>
-        <pc:sldMkLst>
-          <pc:docMk/>
-          <pc:sldMk cId="3390304222" sldId="410"/>
-        </pc:sldMkLst>
-        <pc:spChg chg="add mod">
-          <ac:chgData name="Tami McManus" userId="4a41d8b392a254fb" providerId="LiveId" clId="{9191BEC2-6AE4-48D9-823E-5DD1F0CEE208}" dt="2024-03-01T17:30:21.591" v="8037" actId="20577"/>
-          <ac:spMkLst>
-            <pc:docMk/>
-            <pc:sldMk cId="3390304222" sldId="410"/>
-            <ac:spMk id="3" creationId="{DD5E5601-9C76-32EB-8BEB-2F48740072CB}"/>
-          </ac:spMkLst>
-        </pc:spChg>
-      </pc:sldChg>
-      <pc:sldChg chg="modSp mod">
-        <pc:chgData name="Tami McManus" userId="4a41d8b392a254fb" providerId="LiveId" clId="{9191BEC2-6AE4-48D9-823E-5DD1F0CEE208}" dt="2024-03-02T22:24:58.914" v="8497" actId="6549"/>
-        <pc:sldMkLst>
-          <pc:docMk/>
-          <pc:sldMk cId="1204503409" sldId="411"/>
-        </pc:sldMkLst>
-        <pc:spChg chg="mod">
-          <ac:chgData name="Tami McManus" userId="4a41d8b392a254fb" providerId="LiveId" clId="{9191BEC2-6AE4-48D9-823E-5DD1F0CEE208}" dt="2024-03-02T22:24:58.914" v="8497" actId="6549"/>
-          <ac:spMkLst>
-            <pc:docMk/>
-            <pc:sldMk cId="1204503409" sldId="411"/>
-            <ac:spMk id="3" creationId="{D97FB31E-4941-F5B3-DB40-650B3CF63177}"/>
-          </ac:spMkLst>
-        </pc:spChg>
-      </pc:sldChg>
-      <pc:sldChg chg="modSp">
-        <pc:chgData name="Tami McManus" userId="4a41d8b392a254fb" providerId="LiveId" clId="{9191BEC2-6AE4-48D9-823E-5DD1F0CEE208}" dt="2024-02-28T16:07:22.066" v="2905" actId="20577"/>
-        <pc:sldMkLst>
-          <pc:docMk/>
-          <pc:sldMk cId="3433686390" sldId="412"/>
-        </pc:sldMkLst>
-        <pc:graphicFrameChg chg="mod">
-          <ac:chgData name="Tami McManus" userId="4a41d8b392a254fb" providerId="LiveId" clId="{9191BEC2-6AE4-48D9-823E-5DD1F0CEE208}" dt="2024-02-28T16:07:22.066" v="2905" actId="20577"/>
-          <ac:graphicFrameMkLst>
-            <pc:docMk/>
-            <pc:sldMk cId="3433686390" sldId="412"/>
-            <ac:graphicFrameMk id="4" creationId="{49CB4FBD-28A8-DB7F-E506-2A54CAE97B7E}"/>
-          </ac:graphicFrameMkLst>
-        </pc:graphicFrameChg>
-      </pc:sldChg>
-      <pc:sldChg chg="new del">
-        <pc:chgData name="Tami McManus" userId="4a41d8b392a254fb" providerId="LiveId" clId="{9191BEC2-6AE4-48D9-823E-5DD1F0CEE208}" dt="2024-02-25T16:47:47.746" v="9" actId="47"/>
-        <pc:sldMkLst>
-          <pc:docMk/>
-          <pc:sldMk cId="3693634134" sldId="413"/>
-        </pc:sldMkLst>
-      </pc:sldChg>
-      <pc:sldChg chg="addSp delSp modSp add mod ord modClrScheme chgLayout">
-        <pc:chgData name="Tami McManus" userId="4a41d8b392a254fb" providerId="LiveId" clId="{9191BEC2-6AE4-48D9-823E-5DD1F0CEE208}" dt="2024-02-25T16:59:39.127" v="430" actId="20577"/>
-        <pc:sldMkLst>
-          <pc:docMk/>
-          <pc:sldMk cId="2700939481" sldId="414"/>
-        </pc:sldMkLst>
-        <pc:spChg chg="mod ord">
-          <ac:chgData name="Tami McManus" userId="4a41d8b392a254fb" providerId="LiveId" clId="{9191BEC2-6AE4-48D9-823E-5DD1F0CEE208}" dt="2024-02-25T16:52:57.498" v="141" actId="700"/>
-          <ac:spMkLst>
-            <pc:docMk/>
-            <pc:sldMk cId="2700939481" sldId="414"/>
-            <ac:spMk id="2" creationId="{92CEE39E-C509-AA35-8584-638BBB163143}"/>
-          </ac:spMkLst>
-        </pc:spChg>
-        <pc:spChg chg="mod ord">
-          <ac:chgData name="Tami McManus" userId="4a41d8b392a254fb" providerId="LiveId" clId="{9191BEC2-6AE4-48D9-823E-5DD1F0CEE208}" dt="2024-02-25T16:59:39.127" v="430" actId="20577"/>
-          <ac:spMkLst>
-            <pc:docMk/>
-            <pc:sldMk cId="2700939481" sldId="414"/>
-            <ac:spMk id="3" creationId="{219BA875-9B25-3F16-E932-37E1D4D2D649}"/>
-          </ac:spMkLst>
-        </pc:spChg>
-        <pc:spChg chg="add del mod ord">
-          <ac:chgData name="Tami McManus" userId="4a41d8b392a254fb" providerId="LiveId" clId="{9191BEC2-6AE4-48D9-823E-5DD1F0CEE208}" dt="2024-02-25T16:53:16.158" v="143" actId="478"/>
-          <ac:spMkLst>
-            <pc:docMk/>
-            <pc:sldMk cId="2700939481" sldId="414"/>
-            <ac:spMk id="4" creationId="{6D5D73E7-7144-3395-FE50-1CAC72F95B0C}"/>
-          </ac:spMkLst>
-        </pc:spChg>
-      </pc:sldChg>
-      <pc:sldChg chg="modSp add del mod">
-        <pc:chgData name="Tami McManus" userId="4a41d8b392a254fb" providerId="LiveId" clId="{9191BEC2-6AE4-48D9-823E-5DD1F0CEE208}" dt="2024-02-25T17:19:20.564" v="1620" actId="2696"/>
-        <pc:sldMkLst>
-          <pc:docMk/>
-          <pc:sldMk cId="3553094088" sldId="415"/>
-        </pc:sldMkLst>
-        <pc:spChg chg="mod">
-          <ac:chgData name="Tami McManus" userId="4a41d8b392a254fb" providerId="LiveId" clId="{9191BEC2-6AE4-48D9-823E-5DD1F0CEE208}" dt="2024-02-25T17:02:47.597" v="488" actId="20577"/>
-          <ac:spMkLst>
-            <pc:docMk/>
-            <pc:sldMk cId="3553094088" sldId="415"/>
-            <ac:spMk id="2" creationId="{0C481457-4407-6D00-5B58-903CB4175E0F}"/>
-          </ac:spMkLst>
-        </pc:spChg>
-        <pc:spChg chg="mod">
-          <ac:chgData name="Tami McManus" userId="4a41d8b392a254fb" providerId="LiveId" clId="{9191BEC2-6AE4-48D9-823E-5DD1F0CEE208}" dt="2024-02-25T17:15:57.452" v="1357" actId="27636"/>
-          <ac:spMkLst>
-            <pc:docMk/>
-            <pc:sldMk cId="3553094088" sldId="415"/>
-            <ac:spMk id="3" creationId="{E0C640A0-B400-AD7D-03A3-FBCEC903AD28}"/>
-          </ac:spMkLst>
-        </pc:spChg>
-      </pc:sldChg>
-      <pc:sldChg chg="modSp add mod">
-        <pc:chgData name="Tami McManus" userId="4a41d8b392a254fb" providerId="LiveId" clId="{9191BEC2-6AE4-48D9-823E-5DD1F0CEE208}" dt="2024-02-25T17:19:31.202" v="1623" actId="27636"/>
-        <pc:sldMkLst>
-          <pc:docMk/>
-          <pc:sldMk cId="890330973" sldId="416"/>
-        </pc:sldMkLst>
-        <pc:spChg chg="mod">
-          <ac:chgData name="Tami McManus" userId="4a41d8b392a254fb" providerId="LiveId" clId="{9191BEC2-6AE4-48D9-823E-5DD1F0CEE208}" dt="2024-02-25T17:19:31.202" v="1623" actId="27636"/>
-          <ac:spMkLst>
-            <pc:docMk/>
-            <pc:sldMk cId="890330973" sldId="416"/>
-            <ac:spMk id="3" creationId="{CBAF4C4C-D654-5E12-EC74-6CE25D71C843}"/>
-          </ac:spMkLst>
-        </pc:spChg>
-      </pc:sldChg>
-      <pc:sldChg chg="modSp add mod">
-        <pc:chgData name="Tami McManus" userId="4a41d8b392a254fb" providerId="LiveId" clId="{9191BEC2-6AE4-48D9-823E-5DD1F0CEE208}" dt="2024-02-25T18:07:20.932" v="1627" actId="114"/>
-        <pc:sldMkLst>
-          <pc:docMk/>
-          <pc:sldMk cId="3711102588" sldId="417"/>
-        </pc:sldMkLst>
-        <pc:spChg chg="mod">
-          <ac:chgData name="Tami McManus" userId="4a41d8b392a254fb" providerId="LiveId" clId="{9191BEC2-6AE4-48D9-823E-5DD1F0CEE208}" dt="2024-02-25T18:07:20.932" v="1627" actId="114"/>
-          <ac:spMkLst>
-            <pc:docMk/>
-            <pc:sldMk cId="3711102588" sldId="417"/>
-            <ac:spMk id="3" creationId="{2B2AD2C4-7A46-1631-43AC-0796858821ED}"/>
-          </ac:spMkLst>
-        </pc:spChg>
-      </pc:sldChg>
-      <pc:sldChg chg="delSp modSp new del mod">
-        <pc:chgData name="Tami McManus" userId="4a41d8b392a254fb" providerId="LiveId" clId="{9191BEC2-6AE4-48D9-823E-5DD1F0CEE208}" dt="2024-03-01T17:29:09.324" v="8032" actId="47"/>
-        <pc:sldMkLst>
-          <pc:docMk/>
-          <pc:sldMk cId="3167841297" sldId="418"/>
-        </pc:sldMkLst>
-        <pc:spChg chg="mod">
-          <ac:chgData name="Tami McManus" userId="4a41d8b392a254fb" providerId="LiveId" clId="{9191BEC2-6AE4-48D9-823E-5DD1F0CEE208}" dt="2024-02-28T15:49:19.415" v="1691" actId="20577"/>
-          <ac:spMkLst>
-            <pc:docMk/>
-            <pc:sldMk cId="3167841297" sldId="418"/>
-            <ac:spMk id="2" creationId="{93B8763A-7875-12C1-46DB-C7C048E9DFC4}"/>
-          </ac:spMkLst>
-        </pc:spChg>
-        <pc:spChg chg="del">
-          <ac:chgData name="Tami McManus" userId="4a41d8b392a254fb" providerId="LiveId" clId="{9191BEC2-6AE4-48D9-823E-5DD1F0CEE208}" dt="2024-02-28T15:49:26.747" v="1692" actId="478"/>
-          <ac:spMkLst>
-            <pc:docMk/>
-            <pc:sldMk cId="3167841297" sldId="418"/>
-            <ac:spMk id="3" creationId="{B91F9DBC-8C84-759A-516A-C0FAEFA3F54C}"/>
-          </ac:spMkLst>
-        </pc:spChg>
-      </pc:sldChg>
-      <pc:sldChg chg="addSp delSp modSp add mod ord modClrScheme chgLayout">
-        <pc:chgData name="Tami McManus" userId="4a41d8b392a254fb" providerId="LiveId" clId="{9191BEC2-6AE4-48D9-823E-5DD1F0CEE208}" dt="2024-03-01T17:23:37.452" v="7924"/>
-        <pc:sldMkLst>
-          <pc:docMk/>
-          <pc:sldMk cId="1269429364" sldId="419"/>
-        </pc:sldMkLst>
-        <pc:spChg chg="mod ord">
-          <ac:chgData name="Tami McManus" userId="4a41d8b392a254fb" providerId="LiveId" clId="{9191BEC2-6AE4-48D9-823E-5DD1F0CEE208}" dt="2024-03-01T17:05:05.379" v="7110" actId="20577"/>
-          <ac:spMkLst>
-            <pc:docMk/>
-            <pc:sldMk cId="1269429364" sldId="419"/>
-            <ac:spMk id="2" creationId="{A25A4BCD-92DF-E08C-9036-BD618F9913FD}"/>
-          </ac:spMkLst>
-        </pc:spChg>
-        <pc:spChg chg="add del mod ord">
-          <ac:chgData name="Tami McManus" userId="4a41d8b392a254fb" providerId="LiveId" clId="{9191BEC2-6AE4-48D9-823E-5DD1F0CEE208}" dt="2024-03-01T16:49:12.882" v="6895" actId="14100"/>
-          <ac:spMkLst>
-            <pc:docMk/>
-            <pc:sldMk cId="1269429364" sldId="419"/>
-            <ac:spMk id="3" creationId="{19CD0113-99CA-1F22-5E3C-C9C1AA5CD29D}"/>
-          </ac:spMkLst>
-        </pc:spChg>
-        <pc:spChg chg="add">
-          <ac:chgData name="Tami McManus" userId="4a41d8b392a254fb" providerId="LiveId" clId="{9191BEC2-6AE4-48D9-823E-5DD1F0CEE208}" dt="2024-03-01T15:38:01.102" v="4156"/>
-          <ac:spMkLst>
-            <pc:docMk/>
-            <pc:sldMk cId="1269429364" sldId="419"/>
-            <ac:spMk id="4" creationId="{F4CA296B-B910-5F8D-AD51-6BFE2CCD0D86}"/>
-          </ac:spMkLst>
-        </pc:spChg>
-        <pc:spChg chg="add">
-          <ac:chgData name="Tami McManus" userId="4a41d8b392a254fb" providerId="LiveId" clId="{9191BEC2-6AE4-48D9-823E-5DD1F0CEE208}" dt="2024-03-01T15:38:48.604" v="4167"/>
-          <ac:spMkLst>
-            <pc:docMk/>
-            <pc:sldMk cId="1269429364" sldId="419"/>
-            <ac:spMk id="5" creationId="{C6855A22-DA54-7A0B-260D-9B47AB54A5A5}"/>
-          </ac:spMkLst>
-        </pc:spChg>
-        <pc:spChg chg="add mod">
-          <ac:chgData name="Tami McManus" userId="4a41d8b392a254fb" providerId="LiveId" clId="{9191BEC2-6AE4-48D9-823E-5DD1F0CEE208}" dt="2024-03-01T16:49:30.929" v="6897" actId="1076"/>
-          <ac:spMkLst>
-            <pc:docMk/>
-            <pc:sldMk cId="1269429364" sldId="419"/>
-            <ac:spMk id="6" creationId="{1C332591-676B-DA32-25D7-67472EB4CD3A}"/>
-          </ac:spMkLst>
-        </pc:spChg>
-        <pc:spChg chg="add mod">
-          <ac:chgData name="Tami McManus" userId="4a41d8b392a254fb" providerId="LiveId" clId="{9191BEC2-6AE4-48D9-823E-5DD1F0CEE208}" dt="2024-03-01T16:49:23.185" v="6896" actId="1076"/>
-          <ac:spMkLst>
-            <pc:docMk/>
-            <pc:sldMk cId="1269429364" sldId="419"/>
-            <ac:spMk id="7" creationId="{E822C746-BCF4-A858-9090-343D617DED71}"/>
-          </ac:spMkLst>
-        </pc:spChg>
-        <pc:spChg chg="add mod">
-          <ac:chgData name="Tami McManus" userId="4a41d8b392a254fb" providerId="LiveId" clId="{9191BEC2-6AE4-48D9-823E-5DD1F0CEE208}" dt="2024-03-01T17:03:42.089" v="7084" actId="20577"/>
-          <ac:spMkLst>
-            <pc:docMk/>
-            <pc:sldMk cId="1269429364" sldId="419"/>
-            <ac:spMk id="8" creationId="{5873C6BF-1C35-FEBF-D5F9-0BEA77828D9F}"/>
-          </ac:spMkLst>
-        </pc:spChg>
-        <pc:spChg chg="add del mod ord">
-          <ac:chgData name="Tami McManus" userId="4a41d8b392a254fb" providerId="LiveId" clId="{9191BEC2-6AE4-48D9-823E-5DD1F0CEE208}" dt="2024-03-01T16:26:34.108" v="5541" actId="478"/>
-          <ac:spMkLst>
-            <pc:docMk/>
-            <pc:sldMk cId="1269429364" sldId="419"/>
-            <ac:spMk id="9" creationId="{5C31085D-3450-9FC2-D425-2CFAEBF16055}"/>
-          </ac:spMkLst>
-        </pc:spChg>
-        <pc:spChg chg="add del mod">
-          <ac:chgData name="Tami McManus" userId="4a41d8b392a254fb" providerId="LiveId" clId="{9191BEC2-6AE4-48D9-823E-5DD1F0CEE208}" dt="2024-03-01T16:26:42.378" v="5543" actId="478"/>
-          <ac:spMkLst>
-            <pc:docMk/>
-            <pc:sldMk cId="1269429364" sldId="419"/>
-            <ac:spMk id="11" creationId="{807AE971-B970-5EB5-8F77-5E6AFF938A61}"/>
-          </ac:spMkLst>
-        </pc:spChg>
-        <pc:spChg chg="add mod">
-          <ac:chgData name="Tami McManus" userId="4a41d8b392a254fb" providerId="LiveId" clId="{9191BEC2-6AE4-48D9-823E-5DD1F0CEE208}" dt="2024-03-01T16:49:39.409" v="6898" actId="1076"/>
-          <ac:spMkLst>
-            <pc:docMk/>
-            <pc:sldMk cId="1269429364" sldId="419"/>
-            <ac:spMk id="12" creationId="{226D3C97-C56B-4C74-D0CA-3A3CADD20C14}"/>
-          </ac:spMkLst>
-        </pc:spChg>
-      </pc:sldChg>
-      <pc:sldChg chg="modSp add mod ord">
-        <pc:chgData name="Tami McManus" userId="4a41d8b392a254fb" providerId="LiveId" clId="{9191BEC2-6AE4-48D9-823E-5DD1F0CEE208}" dt="2024-02-28T16:13:10.423" v="3468" actId="20577"/>
-        <pc:sldMkLst>
-          <pc:docMk/>
-          <pc:sldMk cId="352223351" sldId="420"/>
-        </pc:sldMkLst>
-        <pc:spChg chg="mod">
-          <ac:chgData name="Tami McManus" userId="4a41d8b392a254fb" providerId="LiveId" clId="{9191BEC2-6AE4-48D9-823E-5DD1F0CEE208}" dt="2024-02-28T15:52:33.588" v="1756" actId="20577"/>
-          <ac:spMkLst>
-            <pc:docMk/>
-            <pc:sldMk cId="352223351" sldId="420"/>
-            <ac:spMk id="2" creationId="{0EFA85E0-BA21-3B53-3D7D-80152EBDA2AA}"/>
-          </ac:spMkLst>
-        </pc:spChg>
-        <pc:spChg chg="mod">
-          <ac:chgData name="Tami McManus" userId="4a41d8b392a254fb" providerId="LiveId" clId="{9191BEC2-6AE4-48D9-823E-5DD1F0CEE208}" dt="2024-02-28T16:13:10.423" v="3468" actId="20577"/>
-          <ac:spMkLst>
-            <pc:docMk/>
-            <pc:sldMk cId="352223351" sldId="420"/>
-            <ac:spMk id="3" creationId="{04EFE3CE-ECDF-72FE-DBD3-03F05E1849EF}"/>
-          </ac:spMkLst>
-        </pc:spChg>
-      </pc:sldChg>
-      <pc:sldChg chg="modSp add mod ord">
-        <pc:chgData name="Tami McManus" userId="4a41d8b392a254fb" providerId="LiveId" clId="{9191BEC2-6AE4-48D9-823E-5DD1F0CEE208}" dt="2024-03-01T15:36:13.370" v="4126" actId="15"/>
-        <pc:sldMkLst>
-          <pc:docMk/>
-          <pc:sldMk cId="2397365825" sldId="421"/>
-        </pc:sldMkLst>
-        <pc:spChg chg="mod">
-          <ac:chgData name="Tami McManus" userId="4a41d8b392a254fb" providerId="LiveId" clId="{9191BEC2-6AE4-48D9-823E-5DD1F0CEE208}" dt="2024-03-01T15:36:13.370" v="4126" actId="15"/>
-          <ac:spMkLst>
-            <pc:docMk/>
-            <pc:sldMk cId="2397365825" sldId="421"/>
-            <ac:spMk id="3" creationId="{5D740C1C-7421-6E0A-3A2C-DFEA774366F9}"/>
-          </ac:spMkLst>
-        </pc:spChg>
-      </pc:sldChg>
-      <pc:sldChg chg="addSp delSp modSp add del mod modClrScheme chgLayout">
-        <pc:chgData name="Tami McManus" userId="4a41d8b392a254fb" providerId="LiveId" clId="{9191BEC2-6AE4-48D9-823E-5DD1F0CEE208}" dt="2024-03-01T16:56:48.284" v="7004" actId="2696"/>
-        <pc:sldMkLst>
-          <pc:docMk/>
-          <pc:sldMk cId="1696093640" sldId="422"/>
-        </pc:sldMkLst>
-        <pc:spChg chg="mod ord">
-          <ac:chgData name="Tami McManus" userId="4a41d8b392a254fb" providerId="LiveId" clId="{9191BEC2-6AE4-48D9-823E-5DD1F0CEE208}" dt="2024-03-01T16:28:24.121" v="5582" actId="700"/>
-          <ac:spMkLst>
-            <pc:docMk/>
-            <pc:sldMk cId="1696093640" sldId="422"/>
-            <ac:spMk id="2" creationId="{FB0ECADF-376E-3BFD-EE95-6253C3DAE82C}"/>
-          </ac:spMkLst>
-        </pc:spChg>
-        <pc:spChg chg="mod ord">
-          <ac:chgData name="Tami McManus" userId="4a41d8b392a254fb" providerId="LiveId" clId="{9191BEC2-6AE4-48D9-823E-5DD1F0CEE208}" dt="2024-03-01T16:52:11.154" v="6953" actId="20577"/>
-          <ac:spMkLst>
-            <pc:docMk/>
-            <pc:sldMk cId="1696093640" sldId="422"/>
-            <ac:spMk id="3" creationId="{2AC27063-0AD7-055E-6581-C58311C7D98A}"/>
-          </ac:spMkLst>
-        </pc:spChg>
-        <pc:spChg chg="add mod">
-          <ac:chgData name="Tami McManus" userId="4a41d8b392a254fb" providerId="LiveId" clId="{9191BEC2-6AE4-48D9-823E-5DD1F0CEE208}" dt="2024-03-01T16:25:18.223" v="5537" actId="26606"/>
-          <ac:spMkLst>
-            <pc:docMk/>
-            <pc:sldMk cId="1696093640" sldId="422"/>
-            <ac:spMk id="4" creationId="{E3CE4BEF-2693-4D5E-DCED-6E75690D3CBA}"/>
-          </ac:spMkLst>
-        </pc:spChg>
-        <pc:spChg chg="add">
-          <ac:chgData name="Tami McManus" userId="4a41d8b392a254fb" providerId="LiveId" clId="{9191BEC2-6AE4-48D9-823E-5DD1F0CEE208}" dt="2024-03-01T16:02:24.066" v="4804"/>
-          <ac:spMkLst>
-            <pc:docMk/>
-            <pc:sldMk cId="1696093640" sldId="422"/>
-            <ac:spMk id="5" creationId="{D99FDA6B-47E9-E901-A61C-8620632D80BA}"/>
-          </ac:spMkLst>
-        </pc:spChg>
-        <pc:spChg chg="mod">
-          <ac:chgData name="Tami McManus" userId="4a41d8b392a254fb" providerId="LiveId" clId="{9191BEC2-6AE4-48D9-823E-5DD1F0CEE208}" dt="2024-03-01T16:55:25.586" v="7002" actId="20577"/>
-          <ac:spMkLst>
-            <pc:docMk/>
-            <pc:sldMk cId="1696093640" sldId="422"/>
-            <ac:spMk id="6" creationId="{58A80FB1-FC3F-BCA0-D7EF-92A5CF6BCD85}"/>
-          </ac:spMkLst>
-        </pc:spChg>
-        <pc:spChg chg="mod">
-          <ac:chgData name="Tami McManus" userId="4a41d8b392a254fb" providerId="LiveId" clId="{9191BEC2-6AE4-48D9-823E-5DD1F0CEE208}" dt="2024-03-01T16:53:14.050" v="6969" actId="20577"/>
-          <ac:spMkLst>
-            <pc:docMk/>
-            <pc:sldMk cId="1696093640" sldId="422"/>
-            <ac:spMk id="7" creationId="{3701B2DF-9EE3-4C3C-7100-4FD5DA2A6F16}"/>
-          </ac:spMkLst>
-        </pc:spChg>
-        <pc:spChg chg="add del mod ord">
-          <ac:chgData name="Tami McManus" userId="4a41d8b392a254fb" providerId="LiveId" clId="{9191BEC2-6AE4-48D9-823E-5DD1F0CEE208}" dt="2024-03-01T16:30:27.453" v="5591" actId="478"/>
-          <ac:spMkLst>
-            <pc:docMk/>
-            <pc:sldMk cId="1696093640" sldId="422"/>
-            <ac:spMk id="8" creationId="{4A9FB6FA-A44A-DE21-0338-A85B61C76122}"/>
-          </ac:spMkLst>
-        </pc:spChg>
-        <pc:spChg chg="add del mod">
-          <ac:chgData name="Tami McManus" userId="4a41d8b392a254fb" providerId="LiveId" clId="{9191BEC2-6AE4-48D9-823E-5DD1F0CEE208}" dt="2024-03-01T16:25:18.223" v="5537" actId="26606"/>
-          <ac:spMkLst>
-            <pc:docMk/>
-            <pc:sldMk cId="1696093640" sldId="422"/>
-            <ac:spMk id="9" creationId="{951B6C7C-FAA2-D86B-EC8D-0555A3B91DC4}"/>
-          </ac:spMkLst>
-        </pc:spChg>
-        <pc:spChg chg="add del mod">
-          <ac:chgData name="Tami McManus" userId="4a41d8b392a254fb" providerId="LiveId" clId="{9191BEC2-6AE4-48D9-823E-5DD1F0CEE208}" dt="2024-03-01T16:25:15.818" v="5535" actId="26606"/>
-          <ac:spMkLst>
-            <pc:docMk/>
-            <pc:sldMk cId="1696093640" sldId="422"/>
-            <ac:spMk id="12" creationId="{EB73B055-5941-B6A5-DB88-118CEC70B810}"/>
-          </ac:spMkLst>
-        </pc:spChg>
-      </pc:sldChg>
-      <pc:sldChg chg="addSp delSp modSp add del mod modClrScheme chgLayout">
-        <pc:chgData name="Tami McManus" userId="4a41d8b392a254fb" providerId="LiveId" clId="{9191BEC2-6AE4-48D9-823E-5DD1F0CEE208}" dt="2024-03-01T17:04:24.101" v="7089" actId="47"/>
-        <pc:sldMkLst>
-          <pc:docMk/>
-          <pc:sldMk cId="2910061681" sldId="423"/>
-        </pc:sldMkLst>
-        <pc:spChg chg="mod ord">
-          <ac:chgData name="Tami McManus" userId="4a41d8b392a254fb" providerId="LiveId" clId="{9191BEC2-6AE4-48D9-823E-5DD1F0CEE208}" dt="2024-03-01T16:31:35.383" v="5593" actId="700"/>
-          <ac:spMkLst>
-            <pc:docMk/>
-            <pc:sldMk cId="2910061681" sldId="423"/>
-            <ac:spMk id="2" creationId="{1DA6258F-782D-51DD-C7B2-E94D2A5CF48B}"/>
-          </ac:spMkLst>
-        </pc:spChg>
-        <pc:spChg chg="mod ord">
-          <ac:chgData name="Tami McManus" userId="4a41d8b392a254fb" providerId="LiveId" clId="{9191BEC2-6AE4-48D9-823E-5DD1F0CEE208}" dt="2024-03-01T16:59:24.291" v="7030" actId="20577"/>
-          <ac:spMkLst>
-            <pc:docMk/>
-            <pc:sldMk cId="2910061681" sldId="423"/>
-            <ac:spMk id="3" creationId="{DCBFFB8C-1C50-6681-E6F8-9FEF8A261064}"/>
-          </ac:spMkLst>
-        </pc:spChg>
-        <pc:spChg chg="mod">
-          <ac:chgData name="Tami McManus" userId="4a41d8b392a254fb" providerId="LiveId" clId="{9191BEC2-6AE4-48D9-823E-5DD1F0CEE208}" dt="2024-03-01T16:40:57.332" v="6723" actId="14100"/>
-          <ac:spMkLst>
-            <pc:docMk/>
-            <pc:sldMk cId="2910061681" sldId="423"/>
-            <ac:spMk id="4" creationId="{BA7785CF-14A0-DB56-5FAE-11C739D2C601}"/>
-          </ac:spMkLst>
-        </pc:spChg>
-        <pc:spChg chg="add del mod ord">
-          <ac:chgData name="Tami McManus" userId="4a41d8b392a254fb" providerId="LiveId" clId="{9191BEC2-6AE4-48D9-823E-5DD1F0CEE208}" dt="2024-03-01T16:31:50.907" v="5595" actId="478"/>
-          <ac:spMkLst>
-            <pc:docMk/>
-            <pc:sldMk cId="2910061681" sldId="423"/>
-            <ac:spMk id="5" creationId="{26860C4E-FCC5-3B38-CFCD-ECA20E4173F9}"/>
-          </ac:spMkLst>
-        </pc:spChg>
-        <pc:spChg chg="mod">
-          <ac:chgData name="Tami McManus" userId="4a41d8b392a254fb" providerId="LiveId" clId="{9191BEC2-6AE4-48D9-823E-5DD1F0CEE208}" dt="2024-03-01T17:02:28.026" v="7075" actId="20577"/>
-          <ac:spMkLst>
-            <pc:docMk/>
-            <pc:sldMk cId="2910061681" sldId="423"/>
-            <ac:spMk id="6" creationId="{F227DEFA-C6A2-77E3-0BA1-E498B72D8556}"/>
-          </ac:spMkLst>
-        </pc:spChg>
-        <pc:spChg chg="mod">
-          <ac:chgData name="Tami McManus" userId="4a41d8b392a254fb" providerId="LiveId" clId="{9191BEC2-6AE4-48D9-823E-5DD1F0CEE208}" dt="2024-03-01T17:00:58.522" v="7049" actId="20577"/>
-          <ac:spMkLst>
-            <pc:docMk/>
-            <pc:sldMk cId="2910061681" sldId="423"/>
-            <ac:spMk id="7" creationId="{6E6A9077-8F19-7372-3FEC-8AB1FAFDD92D}"/>
-          </ac:spMkLst>
-        </pc:spChg>
-      </pc:sldChg>
-      <pc:sldChg chg="modSp add mod ord">
-        <pc:chgData name="Tami McManus" userId="4a41d8b392a254fb" providerId="LiveId" clId="{9191BEC2-6AE4-48D9-823E-5DD1F0CEE208}" dt="2024-03-01T17:23:37.452" v="7924"/>
-        <pc:sldMkLst>
-          <pc:docMk/>
-          <pc:sldMk cId="415671156" sldId="424"/>
-        </pc:sldMkLst>
-        <pc:spChg chg="mod">
-          <ac:chgData name="Tami McManus" userId="4a41d8b392a254fb" providerId="LiveId" clId="{9191BEC2-6AE4-48D9-823E-5DD1F0CEE208}" dt="2024-03-01T17:05:13.938" v="7123" actId="20577"/>
-          <ac:spMkLst>
-            <pc:docMk/>
-            <pc:sldMk cId="415671156" sldId="424"/>
-            <ac:spMk id="2" creationId="{49E1C10B-138C-4419-8D7F-6E0BEAE0D550}"/>
-          </ac:spMkLst>
-        </pc:spChg>
-        <pc:spChg chg="mod">
-          <ac:chgData name="Tami McManus" userId="4a41d8b392a254fb" providerId="LiveId" clId="{9191BEC2-6AE4-48D9-823E-5DD1F0CEE208}" dt="2024-03-01T16:52:21.323" v="6954"/>
-          <ac:spMkLst>
-            <pc:docMk/>
-            <pc:sldMk cId="415671156" sldId="424"/>
-            <ac:spMk id="3" creationId="{41E98F9A-66CA-FE95-2E6F-C37D4E0D7CE3}"/>
-          </ac:spMkLst>
-        </pc:spChg>
-        <pc:spChg chg="mod">
-          <ac:chgData name="Tami McManus" userId="4a41d8b392a254fb" providerId="LiveId" clId="{9191BEC2-6AE4-48D9-823E-5DD1F0CEE208}" dt="2024-03-01T16:54:54.932" v="6994" actId="20577"/>
-          <ac:spMkLst>
-            <pc:docMk/>
-            <pc:sldMk cId="415671156" sldId="424"/>
-            <ac:spMk id="6" creationId="{F48F80F3-5720-81AF-0BFF-34622858938E}"/>
-          </ac:spMkLst>
-        </pc:spChg>
-        <pc:spChg chg="mod">
-          <ac:chgData name="Tami McManus" userId="4a41d8b392a254fb" providerId="LiveId" clId="{9191BEC2-6AE4-48D9-823E-5DD1F0CEE208}" dt="2024-03-01T16:53:22.149" v="6970"/>
-          <ac:spMkLst>
-            <pc:docMk/>
-            <pc:sldMk cId="415671156" sldId="424"/>
-            <ac:spMk id="7" creationId="{02077759-B36C-7F1F-9B41-792E56C6F8BF}"/>
-          </ac:spMkLst>
-        </pc:spChg>
-        <pc:spChg chg="mod">
-          <ac:chgData name="Tami McManus" userId="4a41d8b392a254fb" providerId="LiveId" clId="{9191BEC2-6AE4-48D9-823E-5DD1F0CEE208}" dt="2024-03-01T17:03:46.403" v="7088" actId="20577"/>
-          <ac:spMkLst>
-            <pc:docMk/>
-            <pc:sldMk cId="415671156" sldId="424"/>
-            <ac:spMk id="8" creationId="{DA05B1D1-4EFE-C20E-476B-A6DB90B9502B}"/>
-          </ac:spMkLst>
-        </pc:spChg>
-        <pc:spChg chg="mod">
-          <ac:chgData name="Tami McManus" userId="4a41d8b392a254fb" providerId="LiveId" clId="{9191BEC2-6AE4-48D9-823E-5DD1F0CEE208}" dt="2024-03-01T16:55:42.095" v="7003"/>
-          <ac:spMkLst>
-            <pc:docMk/>
-            <pc:sldMk cId="415671156" sldId="424"/>
-            <ac:spMk id="12" creationId="{9D824C35-3734-D2BE-AD73-4E16968AA74C}"/>
-          </ac:spMkLst>
-        </pc:spChg>
-      </pc:sldChg>
-      <pc:sldChg chg="modSp add mod ord">
-        <pc:chgData name="Tami McManus" userId="4a41d8b392a254fb" providerId="LiveId" clId="{9191BEC2-6AE4-48D9-823E-5DD1F0CEE208}" dt="2024-03-01T17:23:37.452" v="7924"/>
-        <pc:sldMkLst>
-          <pc:docMk/>
-          <pc:sldMk cId="1545634312" sldId="425"/>
-        </pc:sldMkLst>
-        <pc:spChg chg="mod">
-          <ac:chgData name="Tami McManus" userId="4a41d8b392a254fb" providerId="LiveId" clId="{9191BEC2-6AE4-48D9-823E-5DD1F0CEE208}" dt="2024-03-01T17:05:23.562" v="7157" actId="20577"/>
-          <ac:spMkLst>
-            <pc:docMk/>
-            <pc:sldMk cId="1545634312" sldId="425"/>
-            <ac:spMk id="2" creationId="{AA1A755E-F6F1-D374-F293-F8C7F18A1DE5}"/>
-          </ac:spMkLst>
-        </pc:spChg>
-        <pc:spChg chg="mod">
-          <ac:chgData name="Tami McManus" userId="4a41d8b392a254fb" providerId="LiveId" clId="{9191BEC2-6AE4-48D9-823E-5DD1F0CEE208}" dt="2024-03-01T16:59:40.045" v="7032" actId="6549"/>
-          <ac:spMkLst>
-            <pc:docMk/>
-            <pc:sldMk cId="1545634312" sldId="425"/>
-            <ac:spMk id="3" creationId="{F6860927-C97B-E1DB-C3A8-175281018C23}"/>
-          </ac:spMkLst>
-        </pc:spChg>
-        <pc:spChg chg="mod">
-          <ac:chgData name="Tami McManus" userId="4a41d8b392a254fb" providerId="LiveId" clId="{9191BEC2-6AE4-48D9-823E-5DD1F0CEE208}" dt="2024-03-01T17:01:59.874" v="7064"/>
-          <ac:spMkLst>
-            <pc:docMk/>
-            <pc:sldMk cId="1545634312" sldId="425"/>
-            <ac:spMk id="6" creationId="{9E205303-5CD7-D77C-D9C7-B60828747D54}"/>
-          </ac:spMkLst>
-        </pc:spChg>
-        <pc:spChg chg="mod">
-          <ac:chgData name="Tami McManus" userId="4a41d8b392a254fb" providerId="LiveId" clId="{9191BEC2-6AE4-48D9-823E-5DD1F0CEE208}" dt="2024-03-01T17:00:42.170" v="7046"/>
-          <ac:spMkLst>
-            <pc:docMk/>
-            <pc:sldMk cId="1545634312" sldId="425"/>
-            <ac:spMk id="7" creationId="{E2D013BD-1B5E-0E20-4DCC-4B67DF157E6B}"/>
-          </ac:spMkLst>
-        </pc:spChg>
-        <pc:spChg chg="mod">
-          <ac:chgData name="Tami McManus" userId="4a41d8b392a254fb" providerId="LiveId" clId="{9191BEC2-6AE4-48D9-823E-5DD1F0CEE208}" dt="2024-03-01T17:03:36.763" v="7080" actId="20577"/>
-          <ac:spMkLst>
-            <pc:docMk/>
-            <pc:sldMk cId="1545634312" sldId="425"/>
-            <ac:spMk id="8" creationId="{15F46B79-237A-48DA-5BD1-067E5B93DB4F}"/>
-          </ac:spMkLst>
-        </pc:spChg>
-        <pc:spChg chg="mod">
-          <ac:chgData name="Tami McManus" userId="4a41d8b392a254fb" providerId="LiveId" clId="{9191BEC2-6AE4-48D9-823E-5DD1F0CEE208}" dt="2024-03-01T17:02:46.327" v="7076"/>
-          <ac:spMkLst>
-            <pc:docMk/>
-            <pc:sldMk cId="1545634312" sldId="425"/>
-            <ac:spMk id="12" creationId="{1E3B84C2-F9B6-64BC-17FB-ED8FD2C7F49B}"/>
-          </ac:spMkLst>
-        </pc:spChg>
-      </pc:sldChg>
-      <pc:sldChg chg="addSp delSp modSp new mod modClrScheme chgLayout">
-        <pc:chgData name="Tami McManus" userId="4a41d8b392a254fb" providerId="LiveId" clId="{9191BEC2-6AE4-48D9-823E-5DD1F0CEE208}" dt="2024-03-01T17:27:19.708" v="7998" actId="20577"/>
+      <pc:sldChg chg="delSp mod">
+        <pc:chgData name="Tami McManus" userId="4a41d8b392a254fb" providerId="LiveId" clId="{6D213C2C-0BAE-4945-9597-5DD83DE25937}" dt="2024-04-17T22:51:46.429" v="0" actId="478"/>
         <pc:sldMkLst>
           <pc:docMk/>
           <pc:sldMk cId="592963290" sldId="426"/>
         </pc:sldMkLst>
-        <pc:spChg chg="mod ord">
-          <ac:chgData name="Tami McManus" userId="4a41d8b392a254fb" providerId="LiveId" clId="{9191BEC2-6AE4-48D9-823E-5DD1F0CEE208}" dt="2024-03-01T17:21:03.218" v="7742" actId="20577"/>
-          <ac:spMkLst>
-            <pc:docMk/>
-            <pc:sldMk cId="592963290" sldId="426"/>
-            <ac:spMk id="2" creationId="{23DBD771-390D-9D6C-E22D-39AB172EB133}"/>
-          </ac:spMkLst>
-        </pc:spChg>
-        <pc:spChg chg="del mod">
-          <ac:chgData name="Tami McManus" userId="4a41d8b392a254fb" providerId="LiveId" clId="{9191BEC2-6AE4-48D9-823E-5DD1F0CEE208}" dt="2024-03-01T17:08:23.425" v="7185" actId="1032"/>
-          <ac:spMkLst>
-            <pc:docMk/>
-            <pc:sldMk cId="592963290" sldId="426"/>
-            <ac:spMk id="3" creationId="{E64AE874-B4BE-F401-28E9-58EA12AE6AE9}"/>
-          </ac:spMkLst>
-        </pc:spChg>
         <pc:spChg chg="del">
-          <ac:chgData name="Tami McManus" userId="4a41d8b392a254fb" providerId="LiveId" clId="{9191BEC2-6AE4-48D9-823E-5DD1F0CEE208}" dt="2024-03-01T17:08:27.875" v="7186" actId="478"/>
-          <ac:spMkLst>
-            <pc:docMk/>
-            <pc:sldMk cId="592963290" sldId="426"/>
-            <ac:spMk id="4" creationId="{DFC479C7-ABA3-DCA8-44DE-D34E01F56FAE}"/>
-          </ac:spMkLst>
-        </pc:spChg>
-        <pc:spChg chg="add del mod ord">
-          <ac:chgData name="Tami McManus" userId="4a41d8b392a254fb" providerId="LiveId" clId="{9191BEC2-6AE4-48D9-823E-5DD1F0CEE208}" dt="2024-03-01T17:11:29.886" v="7262" actId="26606"/>
-          <ac:spMkLst>
-            <pc:docMk/>
-            <pc:sldMk cId="592963290" sldId="426"/>
-            <ac:spMk id="6" creationId="{556209EF-716C-9C25-2A7B-BBEFCABBB1B3}"/>
-          </ac:spMkLst>
-        </pc:spChg>
-        <pc:spChg chg="add del mod">
-          <ac:chgData name="Tami McManus" userId="4a41d8b392a254fb" providerId="LiveId" clId="{9191BEC2-6AE4-48D9-823E-5DD1F0CEE208}" dt="2024-03-01T17:22:51.546" v="7850" actId="478"/>
-          <ac:spMkLst>
-            <pc:docMk/>
-            <pc:sldMk cId="592963290" sldId="426"/>
-            <ac:spMk id="7" creationId="{4BC7FB21-85ED-3626-E1B3-4914BB6650A2}"/>
-          </ac:spMkLst>
-        </pc:spChg>
-        <pc:spChg chg="add mod">
-          <ac:chgData name="Tami McManus" userId="4a41d8b392a254fb" providerId="LiveId" clId="{9191BEC2-6AE4-48D9-823E-5DD1F0CEE208}" dt="2024-03-01T17:24:05.385" v="7926" actId="20577"/>
+          <ac:chgData name="Tami McManus" userId="4a41d8b392a254fb" providerId="LiveId" clId="{6D213C2C-0BAE-4945-9597-5DD83DE25937}" dt="2024-04-17T22:51:46.429" v="0" actId="478"/>
           <ac:spMkLst>
             <pc:docMk/>
             <pc:sldMk cId="592963290" sldId="426"/>
             <ac:spMk id="8" creationId="{B002D7FA-4FC5-4DF2-4448-D0F395192B34}"/>
           </ac:spMkLst>
         </pc:spChg>
-        <pc:graphicFrameChg chg="add mod ord modGraphic">
-          <ac:chgData name="Tami McManus" userId="4a41d8b392a254fb" providerId="LiveId" clId="{9191BEC2-6AE4-48D9-823E-5DD1F0CEE208}" dt="2024-03-01T17:27:19.708" v="7998" actId="20577"/>
-          <ac:graphicFrameMkLst>
-            <pc:docMk/>
-            <pc:sldMk cId="592963290" sldId="426"/>
-            <ac:graphicFrameMk id="5" creationId="{55404A08-9D2A-B10D-E305-DE6C663CDA04}"/>
-          </ac:graphicFrameMkLst>
-        </pc:graphicFrameChg>
-      </pc:sldChg>
-      <pc:sldChg chg="add del">
-        <pc:chgData name="Tami McManus" userId="4a41d8b392a254fb" providerId="LiveId" clId="{9191BEC2-6AE4-48D9-823E-5DD1F0CEE208}" dt="2024-03-01T17:28:13.781" v="8000" actId="2696"/>
-        <pc:sldMkLst>
-          <pc:docMk/>
-          <pc:sldMk cId="857933986" sldId="427"/>
-        </pc:sldMkLst>
-      </pc:sldChg>
-      <pc:sldChg chg="modSp add mod">
-        <pc:chgData name="Tami McManus" userId="4a41d8b392a254fb" providerId="LiveId" clId="{9191BEC2-6AE4-48D9-823E-5DD1F0CEE208}" dt="2024-03-01T17:28:53.937" v="8031" actId="20577"/>
-        <pc:sldMkLst>
-          <pc:docMk/>
-          <pc:sldMk cId="1274314987" sldId="427"/>
-        </pc:sldMkLst>
-        <pc:spChg chg="mod">
-          <ac:chgData name="Tami McManus" userId="4a41d8b392a254fb" providerId="LiveId" clId="{9191BEC2-6AE4-48D9-823E-5DD1F0CEE208}" dt="2024-03-01T17:28:43.265" v="8018" actId="20577"/>
-          <ac:spMkLst>
-            <pc:docMk/>
-            <pc:sldMk cId="1274314987" sldId="427"/>
-            <ac:spMk id="2" creationId="{AD31E2AB-5FFC-3FE9-BAE8-7607BBFB6C61}"/>
-          </ac:spMkLst>
-        </pc:spChg>
-        <pc:spChg chg="mod">
-          <ac:chgData name="Tami McManus" userId="4a41d8b392a254fb" providerId="LiveId" clId="{9191BEC2-6AE4-48D9-823E-5DD1F0CEE208}" dt="2024-03-01T17:28:53.937" v="8031" actId="20577"/>
-          <ac:spMkLst>
-            <pc:docMk/>
-            <pc:sldMk cId="1274314987" sldId="427"/>
-            <ac:spMk id="3" creationId="{4BB888DC-33F8-08EC-A912-A7D6942139EC}"/>
-          </ac:spMkLst>
-        </pc:spChg>
-      </pc:sldChg>
-      <pc:sldChg chg="addSp delSp modSp add mod chgLayout">
-        <pc:chgData name="Tami McManus" userId="4a41d8b392a254fb" providerId="LiveId" clId="{9191BEC2-6AE4-48D9-823E-5DD1F0CEE208}" dt="2024-03-02T23:09:36.731" v="10074"/>
-        <pc:sldMkLst>
-          <pc:docMk/>
-          <pc:sldMk cId="4068534647" sldId="428"/>
-        </pc:sldMkLst>
-        <pc:spChg chg="mod">
-          <ac:chgData name="Tami McManus" userId="4a41d8b392a254fb" providerId="LiveId" clId="{9191BEC2-6AE4-48D9-823E-5DD1F0CEE208}" dt="2024-03-02T22:58:29.652" v="9501" actId="26606"/>
-          <ac:spMkLst>
-            <pc:docMk/>
-            <pc:sldMk cId="4068534647" sldId="428"/>
-            <ac:spMk id="2" creationId="{6451A8F5-B4DB-99F1-938D-748F22E57504}"/>
-          </ac:spMkLst>
-        </pc:spChg>
-        <pc:spChg chg="del mod">
-          <ac:chgData name="Tami McManus" userId="4a41d8b392a254fb" providerId="LiveId" clId="{9191BEC2-6AE4-48D9-823E-5DD1F0CEE208}" dt="2024-03-02T22:38:10.455" v="9360" actId="478"/>
-          <ac:spMkLst>
-            <pc:docMk/>
-            <pc:sldMk cId="4068534647" sldId="428"/>
-            <ac:spMk id="3" creationId="{AEEB36EE-DED6-A6FD-26B2-7D0374FA1DB3}"/>
-          </ac:spMkLst>
-        </pc:spChg>
-        <pc:spChg chg="add del mod">
-          <ac:chgData name="Tami McManus" userId="4a41d8b392a254fb" providerId="LiveId" clId="{9191BEC2-6AE4-48D9-823E-5DD1F0CEE208}" dt="2024-03-02T22:38:13.723" v="9361" actId="478"/>
-          <ac:spMkLst>
-            <pc:docMk/>
-            <pc:sldMk cId="4068534647" sldId="428"/>
-            <ac:spMk id="6" creationId="{DA3AE5AF-AD68-D6F1-3C0C-80FC9951C144}"/>
-          </ac:spMkLst>
-        </pc:spChg>
-        <pc:spChg chg="add mod">
-          <ac:chgData name="Tami McManus" userId="4a41d8b392a254fb" providerId="LiveId" clId="{9191BEC2-6AE4-48D9-823E-5DD1F0CEE208}" dt="2024-03-02T23:03:51.683" v="9963" actId="1038"/>
-          <ac:spMkLst>
-            <pc:docMk/>
-            <pc:sldMk cId="4068534647" sldId="428"/>
-            <ac:spMk id="7" creationId="{860418B3-58A1-630B-9043-E594F8F67CCC}"/>
-          </ac:spMkLst>
-        </pc:spChg>
-        <pc:graphicFrameChg chg="add mod modGraphic">
-          <ac:chgData name="Tami McManus" userId="4a41d8b392a254fb" providerId="LiveId" clId="{9191BEC2-6AE4-48D9-823E-5DD1F0CEE208}" dt="2024-03-02T23:09:36.731" v="10074"/>
-          <ac:graphicFrameMkLst>
-            <pc:docMk/>
-            <pc:sldMk cId="4068534647" sldId="428"/>
-            <ac:graphicFrameMk id="4" creationId="{95A391EA-6F6F-124A-694B-7BEC153C67FD}"/>
-          </ac:graphicFrameMkLst>
-        </pc:graphicFrameChg>
-      </pc:sldChg>
-      <pc:sldChg chg="modSp add mod ord">
-        <pc:chgData name="Tami McManus" userId="4a41d8b392a254fb" providerId="LiveId" clId="{9191BEC2-6AE4-48D9-823E-5DD1F0CEE208}" dt="2024-03-03T00:44:26.774" v="10430" actId="13926"/>
-        <pc:sldMkLst>
-          <pc:docMk/>
-          <pc:sldMk cId="325852932" sldId="429"/>
-        </pc:sldMkLst>
-        <pc:spChg chg="mod">
-          <ac:chgData name="Tami McManus" userId="4a41d8b392a254fb" providerId="LiveId" clId="{9191BEC2-6AE4-48D9-823E-5DD1F0CEE208}" dt="2024-03-02T23:01:18.793" v="9839" actId="20577"/>
-          <ac:spMkLst>
-            <pc:docMk/>
-            <pc:sldMk cId="325852932" sldId="429"/>
-            <ac:spMk id="2" creationId="{434C9AAB-BF2E-DCD5-9686-A3177415756A}"/>
-          </ac:spMkLst>
-        </pc:spChg>
-        <pc:spChg chg="mod">
-          <ac:chgData name="Tami McManus" userId="4a41d8b392a254fb" providerId="LiveId" clId="{9191BEC2-6AE4-48D9-823E-5DD1F0CEE208}" dt="2024-03-03T00:44:26.774" v="10430" actId="13926"/>
-          <ac:spMkLst>
-            <pc:docMk/>
-            <pc:sldMk cId="325852932" sldId="429"/>
-            <ac:spMk id="3" creationId="{19B58E15-DBE7-431E-57B5-68F72D930DAC}"/>
-          </ac:spMkLst>
-        </pc:spChg>
-      </pc:sldChg>
-    </pc:docChg>
-  </pc:docChgLst>
-  <pc:docChgLst>
-    <pc:chgData name="Tami McManus" userId="4a41d8b392a254fb" providerId="LiveId" clId="{6D213C2C-0BAE-4945-9597-5DD83DE25937}"/>
-    <pc:docChg chg="undo redo custSel addSld delSld modSld sldOrd">
-      <pc:chgData name="Tami McManus" userId="4a41d8b392a254fb" providerId="LiveId" clId="{6D213C2C-0BAE-4945-9597-5DD83DE25937}" dt="2024-04-17T19:51:17.284" v="7906" actId="27636"/>
-      <pc:docMkLst>
-        <pc:docMk/>
-      </pc:docMkLst>
-      <pc:sldChg chg="modSp mod">
-        <pc:chgData name="Tami McManus" userId="4a41d8b392a254fb" providerId="LiveId" clId="{6D213C2C-0BAE-4945-9597-5DD83DE25937}" dt="2024-04-16T01:23:42.004" v="3184" actId="20577"/>
-        <pc:sldMkLst>
-          <pc:docMk/>
-          <pc:sldMk cId="3346685798" sldId="383"/>
-        </pc:sldMkLst>
-        <pc:spChg chg="mod">
-          <ac:chgData name="Tami McManus" userId="4a41d8b392a254fb" providerId="LiveId" clId="{6D213C2C-0BAE-4945-9597-5DD83DE25937}" dt="2024-04-16T01:23:42.004" v="3184" actId="20577"/>
-          <ac:spMkLst>
-            <pc:docMk/>
-            <pc:sldMk cId="3346685798" sldId="383"/>
-            <ac:spMk id="3" creationId="{3B8EBC2C-6DD7-5003-38EB-40753046FE8C}"/>
-          </ac:spMkLst>
-        </pc:spChg>
-      </pc:sldChg>
-      <pc:sldChg chg="ord">
-        <pc:chgData name="Tami McManus" userId="4a41d8b392a254fb" providerId="LiveId" clId="{6D213C2C-0BAE-4945-9597-5DD83DE25937}" dt="2024-04-03T15:56:09.342" v="553"/>
-        <pc:sldMkLst>
-          <pc:docMk/>
-          <pc:sldMk cId="3200312026" sldId="391"/>
-        </pc:sldMkLst>
-      </pc:sldChg>
-      <pc:sldChg chg="modSp mod">
-        <pc:chgData name="Tami McManus" userId="4a41d8b392a254fb" providerId="LiveId" clId="{6D213C2C-0BAE-4945-9597-5DD83DE25937}" dt="2024-04-03T15:53:49.721" v="473" actId="20577"/>
-        <pc:sldMkLst>
-          <pc:docMk/>
-          <pc:sldMk cId="3390304222" sldId="410"/>
-        </pc:sldMkLst>
-        <pc:spChg chg="mod">
-          <ac:chgData name="Tami McManus" userId="4a41d8b392a254fb" providerId="LiveId" clId="{6D213C2C-0BAE-4945-9597-5DD83DE25937}" dt="2024-04-03T15:53:49.721" v="473" actId="20577"/>
-          <ac:spMkLst>
-            <pc:docMk/>
-            <pc:sldMk cId="3390304222" sldId="410"/>
-            <ac:spMk id="3" creationId="{DD5E5601-9C76-32EB-8BEB-2F48740072CB}"/>
-          </ac:spMkLst>
-        </pc:spChg>
-      </pc:sldChg>
-      <pc:sldChg chg="modSp mod">
-        <pc:chgData name="Tami McManus" userId="4a41d8b392a254fb" providerId="LiveId" clId="{6D213C2C-0BAE-4945-9597-5DD83DE25937}" dt="2024-04-03T16:01:57.023" v="704" actId="948"/>
-        <pc:sldMkLst>
-          <pc:docMk/>
-          <pc:sldMk cId="1204503409" sldId="411"/>
-        </pc:sldMkLst>
-        <pc:spChg chg="mod">
-          <ac:chgData name="Tami McManus" userId="4a41d8b392a254fb" providerId="LiveId" clId="{6D213C2C-0BAE-4945-9597-5DD83DE25937}" dt="2024-04-03T16:01:57.023" v="704" actId="948"/>
-          <ac:spMkLst>
-            <pc:docMk/>
-            <pc:sldMk cId="1204503409" sldId="411"/>
-            <ac:spMk id="3" creationId="{D97FB31E-4941-F5B3-DB40-650B3CF63177}"/>
-          </ac:spMkLst>
-        </pc:spChg>
-      </pc:sldChg>
-      <pc:sldChg chg="modSp mod">
-        <pc:chgData name="Tami McManus" userId="4a41d8b392a254fb" providerId="LiveId" clId="{6D213C2C-0BAE-4945-9597-5DD83DE25937}" dt="2024-04-17T19:51:17.284" v="7906" actId="27636"/>
-        <pc:sldMkLst>
-          <pc:docMk/>
-          <pc:sldMk cId="2700939481" sldId="414"/>
-        </pc:sldMkLst>
-        <pc:spChg chg="mod">
-          <ac:chgData name="Tami McManus" userId="4a41d8b392a254fb" providerId="LiveId" clId="{6D213C2C-0BAE-4945-9597-5DD83DE25937}" dt="2024-04-17T19:51:17.284" v="7906" actId="27636"/>
-          <ac:spMkLst>
-            <pc:docMk/>
-            <pc:sldMk cId="2700939481" sldId="414"/>
-            <ac:spMk id="3" creationId="{219BA875-9B25-3F16-E932-37E1D4D2D649}"/>
-          </ac:spMkLst>
-        </pc:spChg>
-      </pc:sldChg>
-      <pc:sldChg chg="del">
-        <pc:chgData name="Tami McManus" userId="4a41d8b392a254fb" providerId="LiveId" clId="{6D213C2C-0BAE-4945-9597-5DD83DE25937}" dt="2024-04-17T15:13:01.442" v="7594" actId="2696"/>
-        <pc:sldMkLst>
-          <pc:docMk/>
-          <pc:sldMk cId="890330973" sldId="416"/>
-        </pc:sldMkLst>
-      </pc:sldChg>
-      <pc:sldChg chg="del">
-        <pc:chgData name="Tami McManus" userId="4a41d8b392a254fb" providerId="LiveId" clId="{6D213C2C-0BAE-4945-9597-5DD83DE25937}" dt="2024-04-17T15:13:07.198" v="7595" actId="2696"/>
-        <pc:sldMkLst>
-          <pc:docMk/>
-          <pc:sldMk cId="3711102588" sldId="417"/>
-        </pc:sldMkLst>
-      </pc:sldChg>
-      <pc:sldChg chg="del">
-        <pc:chgData name="Tami McManus" userId="4a41d8b392a254fb" providerId="LiveId" clId="{6D213C2C-0BAE-4945-9597-5DD83DE25937}" dt="2024-04-17T15:12:42.830" v="7592" actId="2696"/>
-        <pc:sldMkLst>
-          <pc:docMk/>
-          <pc:sldMk cId="1269429364" sldId="419"/>
-        </pc:sldMkLst>
-      </pc:sldChg>
-      <pc:sldChg chg="modSp del mod">
-        <pc:chgData name="Tami McManus" userId="4a41d8b392a254fb" providerId="LiveId" clId="{6D213C2C-0BAE-4945-9597-5DD83DE25937}" dt="2024-04-17T15:13:53.562" v="7650" actId="2696"/>
-        <pc:sldMkLst>
-          <pc:docMk/>
-          <pc:sldMk cId="352223351" sldId="420"/>
-        </pc:sldMkLst>
-        <pc:spChg chg="mod">
-          <ac:chgData name="Tami McManus" userId="4a41d8b392a254fb" providerId="LiveId" clId="{6D213C2C-0BAE-4945-9597-5DD83DE25937}" dt="2024-04-17T15:13:48.847" v="7649" actId="20577"/>
-          <ac:spMkLst>
-            <pc:docMk/>
-            <pc:sldMk cId="352223351" sldId="420"/>
-            <ac:spMk id="3" creationId="{04EFE3CE-ECDF-72FE-DBD3-03F05E1849EF}"/>
-          </ac:spMkLst>
-        </pc:spChg>
-      </pc:sldChg>
-      <pc:sldChg chg="del">
-        <pc:chgData name="Tami McManus" userId="4a41d8b392a254fb" providerId="LiveId" clId="{6D213C2C-0BAE-4945-9597-5DD83DE25937}" dt="2024-04-17T15:13:53.562" v="7650" actId="2696"/>
-        <pc:sldMkLst>
-          <pc:docMk/>
-          <pc:sldMk cId="2397365825" sldId="421"/>
-        </pc:sldMkLst>
-      </pc:sldChg>
-      <pc:sldChg chg="modSp del mod">
-        <pc:chgData name="Tami McManus" userId="4a41d8b392a254fb" providerId="LiveId" clId="{6D213C2C-0BAE-4945-9597-5DD83DE25937}" dt="2024-04-17T15:12:49.798" v="7593" actId="2696"/>
-        <pc:sldMkLst>
-          <pc:docMk/>
-          <pc:sldMk cId="415671156" sldId="424"/>
-        </pc:sldMkLst>
-        <pc:spChg chg="mod">
-          <ac:chgData name="Tami McManus" userId="4a41d8b392a254fb" providerId="LiveId" clId="{6D213C2C-0BAE-4945-9597-5DD83DE25937}" dt="2024-04-06T18:54:46.573" v="1174" actId="20577"/>
-          <ac:spMkLst>
-            <pc:docMk/>
-            <pc:sldMk cId="415671156" sldId="424"/>
-            <ac:spMk id="8" creationId="{DA05B1D1-4EFE-C20E-476B-A6DB90B9502B}"/>
-          </ac:spMkLst>
-        </pc:spChg>
-      </pc:sldChg>
-      <pc:sldChg chg="del">
-        <pc:chgData name="Tami McManus" userId="4a41d8b392a254fb" providerId="LiveId" clId="{6D213C2C-0BAE-4945-9597-5DD83DE25937}" dt="2024-04-17T15:12:49.798" v="7593" actId="2696"/>
-        <pc:sldMkLst>
-          <pc:docMk/>
-          <pc:sldMk cId="1545634312" sldId="425"/>
-        </pc:sldMkLst>
-      </pc:sldChg>
-      <pc:sldChg chg="modSp">
-        <pc:chgData name="Tami McManus" userId="4a41d8b392a254fb" providerId="LiveId" clId="{6D213C2C-0BAE-4945-9597-5DD83DE25937}" dt="2024-04-16T00:56:10.430" v="2270" actId="20577"/>
-        <pc:sldMkLst>
-          <pc:docMk/>
-          <pc:sldMk cId="592963290" sldId="426"/>
-        </pc:sldMkLst>
-        <pc:graphicFrameChg chg="mod">
-          <ac:chgData name="Tami McManus" userId="4a41d8b392a254fb" providerId="LiveId" clId="{6D213C2C-0BAE-4945-9597-5DD83DE25937}" dt="2024-04-16T00:56:10.430" v="2270" actId="20577"/>
-          <ac:graphicFrameMkLst>
-            <pc:docMk/>
-            <pc:sldMk cId="592963290" sldId="426"/>
-            <ac:graphicFrameMk id="5" creationId="{55404A08-9D2A-B10D-E305-DE6C663CDA04}"/>
-          </ac:graphicFrameMkLst>
-        </pc:graphicFrameChg>
-      </pc:sldChg>
-      <pc:sldChg chg="addSp delSp modSp mod modClrScheme chgLayout">
-        <pc:chgData name="Tami McManus" userId="4a41d8b392a254fb" providerId="LiveId" clId="{6D213C2C-0BAE-4945-9597-5DD83DE25937}" dt="2024-04-17T14:39:01.405" v="4940" actId="20577"/>
-        <pc:sldMkLst>
-          <pc:docMk/>
-          <pc:sldMk cId="1274314987" sldId="427"/>
-        </pc:sldMkLst>
-        <pc:spChg chg="mod ord">
-          <ac:chgData name="Tami McManus" userId="4a41d8b392a254fb" providerId="LiveId" clId="{6D213C2C-0BAE-4945-9597-5DD83DE25937}" dt="2024-04-16T01:25:37.894" v="3262" actId="20577"/>
-          <ac:spMkLst>
-            <pc:docMk/>
-            <pc:sldMk cId="1274314987" sldId="427"/>
-            <ac:spMk id="2" creationId="{AD31E2AB-5FFC-3FE9-BAE8-7607BBFB6C61}"/>
-          </ac:spMkLst>
-        </pc:spChg>
-        <pc:spChg chg="mod ord">
-          <ac:chgData name="Tami McManus" userId="4a41d8b392a254fb" providerId="LiveId" clId="{6D213C2C-0BAE-4945-9597-5DD83DE25937}" dt="2024-04-17T14:39:01.405" v="4940" actId="20577"/>
-          <ac:spMkLst>
-            <pc:docMk/>
-            <pc:sldMk cId="1274314987" sldId="427"/>
-            <ac:spMk id="3" creationId="{4BB888DC-33F8-08EC-A912-A7D6942139EC}"/>
-          </ac:spMkLst>
-        </pc:spChg>
-        <pc:spChg chg="add del mod ord">
-          <ac:chgData name="Tami McManus" userId="4a41d8b392a254fb" providerId="LiveId" clId="{6D213C2C-0BAE-4945-9597-5DD83DE25937}" dt="2024-04-16T01:08:46.061" v="2284" actId="700"/>
-          <ac:spMkLst>
-            <pc:docMk/>
-            <pc:sldMk cId="1274314987" sldId="427"/>
-            <ac:spMk id="6" creationId="{130DBA8E-669C-6FE9-23BF-70ECA6C8EFE2}"/>
-          </ac:spMkLst>
-        </pc:spChg>
-        <pc:spChg chg="add del mod ord">
-          <ac:chgData name="Tami McManus" userId="4a41d8b392a254fb" providerId="LiveId" clId="{6D213C2C-0BAE-4945-9597-5DD83DE25937}" dt="2024-04-16T01:09:00.977" v="2286" actId="700"/>
-          <ac:spMkLst>
-            <pc:docMk/>
-            <pc:sldMk cId="1274314987" sldId="427"/>
-            <ac:spMk id="7" creationId="{AE912EC3-87D9-82A3-7652-F68323598228}"/>
-          </ac:spMkLst>
-        </pc:spChg>
-        <pc:spChg chg="add del mod ord">
-          <ac:chgData name="Tami McManus" userId="4a41d8b392a254fb" providerId="LiveId" clId="{6D213C2C-0BAE-4945-9597-5DD83DE25937}" dt="2024-04-16T01:24:29.263" v="3186" actId="478"/>
-          <ac:spMkLst>
-            <pc:docMk/>
-            <pc:sldMk cId="1274314987" sldId="427"/>
-            <ac:spMk id="8" creationId="{BE934E0F-4AA8-A56F-26B5-5EF41E402D4F}"/>
-          </ac:spMkLst>
-        </pc:spChg>
-        <pc:picChg chg="add mod">
-          <ac:chgData name="Tami McManus" userId="4a41d8b392a254fb" providerId="LiveId" clId="{6D213C2C-0BAE-4945-9597-5DD83DE25937}" dt="2024-04-16T01:27:11.806" v="3308" actId="1076"/>
-          <ac:picMkLst>
-            <pc:docMk/>
-            <pc:sldMk cId="1274314987" sldId="427"/>
-            <ac:picMk id="5" creationId="{B64FC4FE-1878-BF46-4FC7-9BB434D66D0A}"/>
-          </ac:picMkLst>
-        </pc:picChg>
-      </pc:sldChg>
-      <pc:sldChg chg="modSp mod">
-        <pc:chgData name="Tami McManus" userId="4a41d8b392a254fb" providerId="LiveId" clId="{6D213C2C-0BAE-4945-9597-5DD83DE25937}" dt="2024-04-06T16:34:42.944" v="1163" actId="20577"/>
-        <pc:sldMkLst>
-          <pc:docMk/>
-          <pc:sldMk cId="4068534647" sldId="428"/>
-        </pc:sldMkLst>
-        <pc:graphicFrameChg chg="modGraphic">
-          <ac:chgData name="Tami McManus" userId="4a41d8b392a254fb" providerId="LiveId" clId="{6D213C2C-0BAE-4945-9597-5DD83DE25937}" dt="2024-04-06T16:34:42.944" v="1163" actId="20577"/>
-          <ac:graphicFrameMkLst>
-            <pc:docMk/>
-            <pc:sldMk cId="4068534647" sldId="428"/>
-            <ac:graphicFrameMk id="4" creationId="{95A391EA-6F6F-124A-694B-7BEC153C67FD}"/>
-          </ac:graphicFrameMkLst>
-        </pc:graphicFrameChg>
-      </pc:sldChg>
-      <pc:sldChg chg="addSp delSp modSp mod ord">
-        <pc:chgData name="Tami McManus" userId="4a41d8b392a254fb" providerId="LiveId" clId="{6D213C2C-0BAE-4945-9597-5DD83DE25937}" dt="2024-04-16T21:09:17.092" v="4628" actId="14734"/>
-        <pc:sldMkLst>
-          <pc:docMk/>
-          <pc:sldMk cId="325852932" sldId="429"/>
-        </pc:sldMkLst>
-        <pc:spChg chg="del mod">
-          <ac:chgData name="Tami McManus" userId="4a41d8b392a254fb" providerId="LiveId" clId="{6D213C2C-0BAE-4945-9597-5DD83DE25937}" dt="2024-04-16T00:46:43.004" v="2097" actId="478"/>
-          <ac:spMkLst>
-            <pc:docMk/>
-            <pc:sldMk cId="325852932" sldId="429"/>
-            <ac:spMk id="3" creationId="{19B58E15-DBE7-431E-57B5-68F72D930DAC}"/>
-          </ac:spMkLst>
-        </pc:spChg>
-        <pc:spChg chg="add mod">
-          <ac:chgData name="Tami McManus" userId="4a41d8b392a254fb" providerId="LiveId" clId="{6D213C2C-0BAE-4945-9597-5DD83DE25937}" dt="2024-04-16T00:55:28.238" v="2240" actId="1076"/>
-          <ac:spMkLst>
-            <pc:docMk/>
-            <pc:sldMk cId="325852932" sldId="429"/>
-            <ac:spMk id="5" creationId="{1CB26308-B2CB-E512-77C7-2A071BE573EB}"/>
-          </ac:spMkLst>
-        </pc:spChg>
-        <pc:spChg chg="add mod">
-          <ac:chgData name="Tami McManus" userId="4a41d8b392a254fb" providerId="LiveId" clId="{6D213C2C-0BAE-4945-9597-5DD83DE25937}" dt="2024-04-16T20:57:09.053" v="4293" actId="1076"/>
-          <ac:spMkLst>
-            <pc:docMk/>
-            <pc:sldMk cId="325852932" sldId="429"/>
-            <ac:spMk id="6" creationId="{AE9A5288-84A5-69D9-AA43-EB76BDE2D404}"/>
-          </ac:spMkLst>
-        </pc:spChg>
-        <pc:spChg chg="add mod">
-          <ac:chgData name="Tami McManus" userId="4a41d8b392a254fb" providerId="LiveId" clId="{6D213C2C-0BAE-4945-9597-5DD83DE25937}" dt="2024-04-16T00:55:31.678" v="2241" actId="1076"/>
-          <ac:spMkLst>
-            <pc:docMk/>
-            <pc:sldMk cId="325852932" sldId="429"/>
-            <ac:spMk id="7" creationId="{1C336404-D59F-6BFF-9BC8-7F8F79932A83}"/>
-          </ac:spMkLst>
-        </pc:spChg>
-        <pc:spChg chg="add del mod">
-          <ac:chgData name="Tami McManus" userId="4a41d8b392a254fb" providerId="LiveId" clId="{6D213C2C-0BAE-4945-9597-5DD83DE25937}" dt="2024-04-05T22:07:35.117" v="755" actId="478"/>
-          <ac:spMkLst>
-            <pc:docMk/>
-            <pc:sldMk cId="325852932" sldId="429"/>
-            <ac:spMk id="8" creationId="{F0760E51-1588-0A77-2B39-D05103A51D5B}"/>
-          </ac:spMkLst>
-        </pc:spChg>
-        <pc:spChg chg="add del mod">
-          <ac:chgData name="Tami McManus" userId="4a41d8b392a254fb" providerId="LiveId" clId="{6D213C2C-0BAE-4945-9597-5DD83DE25937}" dt="2024-04-16T00:46:45.776" v="2098" actId="478"/>
-          <ac:spMkLst>
-            <pc:docMk/>
-            <pc:sldMk cId="325852932" sldId="429"/>
-            <ac:spMk id="9" creationId="{F589A1AC-2F60-CAEF-5F47-F6E88235E6B6}"/>
-          </ac:spMkLst>
-        </pc:spChg>
-        <pc:spChg chg="add mod">
-          <ac:chgData name="Tami McManus" userId="4a41d8b392a254fb" providerId="LiveId" clId="{6D213C2C-0BAE-4945-9597-5DD83DE25937}" dt="2024-04-16T00:55:24.165" v="2239" actId="1038"/>
-          <ac:spMkLst>
-            <pc:docMk/>
-            <pc:sldMk cId="325852932" sldId="429"/>
-            <ac:spMk id="10" creationId="{13934D7F-417A-D665-D375-B04AD31C5358}"/>
-          </ac:spMkLst>
-        </pc:spChg>
-        <pc:graphicFrameChg chg="add del modGraphic">
-          <ac:chgData name="Tami McManus" userId="4a41d8b392a254fb" providerId="LiveId" clId="{6D213C2C-0BAE-4945-9597-5DD83DE25937}" dt="2024-04-02T17:19:50.377" v="261" actId="478"/>
-          <ac:graphicFrameMkLst>
-            <pc:docMk/>
-            <pc:sldMk cId="325852932" sldId="429"/>
-            <ac:graphicFrameMk id="4" creationId="{4861C59A-E2D4-3D6D-DAA4-F3343F69E2E6}"/>
-          </ac:graphicFrameMkLst>
-        </pc:graphicFrameChg>
-        <pc:graphicFrameChg chg="add mod ord modGraphic">
-          <ac:chgData name="Tami McManus" userId="4a41d8b392a254fb" providerId="LiveId" clId="{6D213C2C-0BAE-4945-9597-5DD83DE25937}" dt="2024-04-16T21:09:17.092" v="4628" actId="14734"/>
-          <ac:graphicFrameMkLst>
-            <pc:docMk/>
-            <pc:sldMk cId="325852932" sldId="429"/>
-            <ac:graphicFrameMk id="4" creationId="{DE9911B8-E4D2-A7D6-34B1-6A4DF542E37B}"/>
-          </ac:graphicFrameMkLst>
-        </pc:graphicFrameChg>
-      </pc:sldChg>
-      <pc:sldChg chg="add del">
-        <pc:chgData name="Tami McManus" userId="4a41d8b392a254fb" providerId="LiveId" clId="{6D213C2C-0BAE-4945-9597-5DD83DE25937}" dt="2024-04-16T00:55:41.752" v="2242" actId="2696"/>
-        <pc:sldMkLst>
-          <pc:docMk/>
-          <pc:sldMk cId="2106598794" sldId="430"/>
-        </pc:sldMkLst>
-      </pc:sldChg>
-      <pc:sldChg chg="addSp delSp modSp add mod modClrScheme chgLayout">
-        <pc:chgData name="Tami McManus" userId="4a41d8b392a254fb" providerId="LiveId" clId="{6D213C2C-0BAE-4945-9597-5DD83DE25937}" dt="2024-04-17T15:07:34.967" v="7264" actId="26606"/>
-        <pc:sldMkLst>
-          <pc:docMk/>
-          <pc:sldMk cId="2746982112" sldId="431"/>
-        </pc:sldMkLst>
-        <pc:spChg chg="mod ord">
-          <ac:chgData name="Tami McManus" userId="4a41d8b392a254fb" providerId="LiveId" clId="{6D213C2C-0BAE-4945-9597-5DD83DE25937}" dt="2024-04-17T15:07:34.967" v="7264" actId="26606"/>
-          <ac:spMkLst>
-            <pc:docMk/>
-            <pc:sldMk cId="2746982112" sldId="431"/>
-            <ac:spMk id="2" creationId="{AD31E2AB-5FFC-3FE9-BAE8-7607BBFB6C61}"/>
-          </ac:spMkLst>
-        </pc:spChg>
-        <pc:spChg chg="del mod ord">
-          <ac:chgData name="Tami McManus" userId="4a41d8b392a254fb" providerId="LiveId" clId="{6D213C2C-0BAE-4945-9597-5DD83DE25937}" dt="2024-04-17T14:46:25.648" v="6095" actId="26606"/>
-          <ac:spMkLst>
-            <pc:docMk/>
-            <pc:sldMk cId="2746982112" sldId="431"/>
-            <ac:spMk id="3" creationId="{4BB888DC-33F8-08EC-A912-A7D6942139EC}"/>
-          </ac:spMkLst>
-        </pc:spChg>
-        <pc:spChg chg="add del mod ord">
-          <ac:chgData name="Tami McManus" userId="4a41d8b392a254fb" providerId="LiveId" clId="{6D213C2C-0BAE-4945-9597-5DD83DE25937}" dt="2024-04-17T14:46:25.648" v="6095" actId="26606"/>
-          <ac:spMkLst>
-            <pc:docMk/>
-            <pc:sldMk cId="2746982112" sldId="431"/>
-            <ac:spMk id="4" creationId="{1B2A3B20-7F4F-7C96-FACD-0CB8A5D47971}"/>
-          </ac:spMkLst>
-        </pc:spChg>
-        <pc:graphicFrameChg chg="add mod modGraphic">
-          <ac:chgData name="Tami McManus" userId="4a41d8b392a254fb" providerId="LiveId" clId="{6D213C2C-0BAE-4945-9597-5DD83DE25937}" dt="2024-04-17T15:07:34.967" v="7264" actId="26606"/>
-          <ac:graphicFrameMkLst>
-            <pc:docMk/>
-            <pc:sldMk cId="2746982112" sldId="431"/>
-            <ac:graphicFrameMk id="6" creationId="{E008CDF8-23B8-670E-95EC-C80C025F29B9}"/>
-          </ac:graphicFrameMkLst>
-        </pc:graphicFrameChg>
-      </pc:sldChg>
-      <pc:sldChg chg="modSp add mod">
-        <pc:chgData name="Tami McManus" userId="4a41d8b392a254fb" providerId="LiveId" clId="{6D213C2C-0BAE-4945-9597-5DD83DE25937}" dt="2024-04-17T19:50:55.621" v="7900" actId="20577"/>
-        <pc:sldMkLst>
-          <pc:docMk/>
-          <pc:sldMk cId="3593647145" sldId="432"/>
-        </pc:sldMkLst>
-        <pc:spChg chg="mod">
-          <ac:chgData name="Tami McManus" userId="4a41d8b392a254fb" providerId="LiveId" clId="{6D213C2C-0BAE-4945-9597-5DD83DE25937}" dt="2024-04-09T13:50:18.332" v="1775" actId="20577"/>
-          <ac:spMkLst>
-            <pc:docMk/>
-            <pc:sldMk cId="3593647145" sldId="432"/>
-            <ac:spMk id="2" creationId="{92CEE39E-C509-AA35-8584-638BBB163143}"/>
-          </ac:spMkLst>
-        </pc:spChg>
-        <pc:spChg chg="mod">
-          <ac:chgData name="Tami McManus" userId="4a41d8b392a254fb" providerId="LiveId" clId="{6D213C2C-0BAE-4945-9597-5DD83DE25937}" dt="2024-04-17T19:50:55.621" v="7900" actId="20577"/>
-          <ac:spMkLst>
-            <pc:docMk/>
-            <pc:sldMk cId="3593647145" sldId="432"/>
-            <ac:spMk id="3" creationId="{219BA875-9B25-3F16-E932-37E1D4D2D649}"/>
-          </ac:spMkLst>
-        </pc:spChg>
-      </pc:sldChg>
-      <pc:sldChg chg="addSp delSp modSp add del mod modClrScheme chgLayout">
-        <pc:chgData name="Tami McManus" userId="4a41d8b392a254fb" providerId="LiveId" clId="{6D213C2C-0BAE-4945-9597-5DD83DE25937}" dt="2024-04-16T01:26:00.236" v="3266" actId="47"/>
-        <pc:sldMkLst>
-          <pc:docMk/>
-          <pc:sldMk cId="2121512128" sldId="433"/>
-        </pc:sldMkLst>
-        <pc:spChg chg="mod ord">
-          <ac:chgData name="Tami McManus" userId="4a41d8b392a254fb" providerId="LiveId" clId="{6D213C2C-0BAE-4945-9597-5DD83DE25937}" dt="2024-04-16T01:25:42.300" v="3265" actId="20577"/>
-          <ac:spMkLst>
-            <pc:docMk/>
-            <pc:sldMk cId="2121512128" sldId="433"/>
-            <ac:spMk id="2" creationId="{AD31E2AB-5FFC-3FE9-BAE8-7607BBFB6C61}"/>
-          </ac:spMkLst>
-        </pc:spChg>
-        <pc:spChg chg="mod ord">
-          <ac:chgData name="Tami McManus" userId="4a41d8b392a254fb" providerId="LiveId" clId="{6D213C2C-0BAE-4945-9597-5DD83DE25937}" dt="2024-04-16T01:25:12.751" v="3202" actId="6549"/>
-          <ac:spMkLst>
-            <pc:docMk/>
-            <pc:sldMk cId="2121512128" sldId="433"/>
-            <ac:spMk id="3" creationId="{4BB888DC-33F8-08EC-A912-A7D6942139EC}"/>
-          </ac:spMkLst>
-        </pc:spChg>
-        <pc:spChg chg="add del mod ord">
-          <ac:chgData name="Tami McManus" userId="4a41d8b392a254fb" providerId="LiveId" clId="{6D213C2C-0BAE-4945-9597-5DD83DE25937}" dt="2024-04-16T01:25:04.842" v="3200" actId="478"/>
-          <ac:spMkLst>
-            <pc:docMk/>
-            <pc:sldMk cId="2121512128" sldId="433"/>
-            <ac:spMk id="4" creationId="{97C8E8EC-A3D6-9E11-356F-C91F666889AB}"/>
-          </ac:spMkLst>
-        </pc:spChg>
-        <pc:picChg chg="mod">
-          <ac:chgData name="Tami McManus" userId="4a41d8b392a254fb" providerId="LiveId" clId="{6D213C2C-0BAE-4945-9597-5DD83DE25937}" dt="2024-04-16T01:25:17.045" v="3207" actId="1036"/>
-          <ac:picMkLst>
-            <pc:docMk/>
-            <pc:sldMk cId="2121512128" sldId="433"/>
-            <ac:picMk id="5" creationId="{B64FC4FE-1878-BF46-4FC7-9BB434D66D0A}"/>
-          </ac:picMkLst>
-        </pc:picChg>
-      </pc:sldChg>
-      <pc:sldChg chg="addSp delSp modSp add mod modClrScheme chgLayout">
-        <pc:chgData name="Tami McManus" userId="4a41d8b392a254fb" providerId="LiveId" clId="{6D213C2C-0BAE-4945-9597-5DD83DE25937}" dt="2024-04-16T01:27:58.108" v="3361" actId="20577"/>
-        <pc:sldMkLst>
-          <pc:docMk/>
-          <pc:sldMk cId="1422380745" sldId="434"/>
-        </pc:sldMkLst>
-        <pc:spChg chg="mod ord">
-          <ac:chgData name="Tami McManus" userId="4a41d8b392a254fb" providerId="LiveId" clId="{6D213C2C-0BAE-4945-9597-5DD83DE25937}" dt="2024-04-16T01:27:42.524" v="3326" actId="20577"/>
-          <ac:spMkLst>
-            <pc:docMk/>
-            <pc:sldMk cId="1422380745" sldId="434"/>
-            <ac:spMk id="2" creationId="{AD31E2AB-5FFC-3FE9-BAE8-7607BBFB6C61}"/>
-          </ac:spMkLst>
-        </pc:spChg>
-        <pc:spChg chg="mod ord">
-          <ac:chgData name="Tami McManus" userId="4a41d8b392a254fb" providerId="LiveId" clId="{6D213C2C-0BAE-4945-9597-5DD83DE25937}" dt="2024-04-16T01:27:58.108" v="3361" actId="20577"/>
-          <ac:spMkLst>
-            <pc:docMk/>
-            <pc:sldMk cId="1422380745" sldId="434"/>
-            <ac:spMk id="3" creationId="{4BB888DC-33F8-08EC-A912-A7D6942139EC}"/>
-          </ac:spMkLst>
-        </pc:spChg>
-        <pc:spChg chg="add del mod ord">
-          <ac:chgData name="Tami McManus" userId="4a41d8b392a254fb" providerId="LiveId" clId="{6D213C2C-0BAE-4945-9597-5DD83DE25937}" dt="2024-04-16T01:26:14.194" v="3268" actId="478"/>
-          <ac:spMkLst>
-            <pc:docMk/>
-            <pc:sldMk cId="1422380745" sldId="434"/>
-            <ac:spMk id="7" creationId="{EB2F3DE0-779A-6F65-4A84-1C6734939900}"/>
-          </ac:spMkLst>
-        </pc:spChg>
-        <pc:picChg chg="del">
-          <ac:chgData name="Tami McManus" userId="4a41d8b392a254fb" providerId="LiveId" clId="{6D213C2C-0BAE-4945-9597-5DD83DE25937}" dt="2024-04-16T01:15:03.928" v="2586" actId="478"/>
-          <ac:picMkLst>
-            <pc:docMk/>
-            <pc:sldMk cId="1422380745" sldId="434"/>
-            <ac:picMk id="5" creationId="{B64FC4FE-1878-BF46-4FC7-9BB434D66D0A}"/>
-          </ac:picMkLst>
-        </pc:picChg>
-        <pc:picChg chg="add mod">
-          <ac:chgData name="Tami McManus" userId="4a41d8b392a254fb" providerId="LiveId" clId="{6D213C2C-0BAE-4945-9597-5DD83DE25937}" dt="2024-04-16T01:27:22.396" v="3309" actId="1076"/>
-          <ac:picMkLst>
-            <pc:docMk/>
-            <pc:sldMk cId="1422380745" sldId="434"/>
-            <ac:picMk id="6" creationId="{8546EA65-FEF9-E41B-1A0B-D35BC13B6B8B}"/>
-          </ac:picMkLst>
-        </pc:picChg>
-      </pc:sldChg>
-      <pc:sldChg chg="addSp delSp modSp add mod modClrScheme chgLayout">
-        <pc:chgData name="Tami McManus" userId="4a41d8b392a254fb" providerId="LiveId" clId="{6D213C2C-0BAE-4945-9597-5DD83DE25937}" dt="2024-04-17T14:40:08.978" v="5045" actId="6549"/>
-        <pc:sldMkLst>
-          <pc:docMk/>
-          <pc:sldMk cId="1358280927" sldId="435"/>
-        </pc:sldMkLst>
-        <pc:spChg chg="mod ord">
-          <ac:chgData name="Tami McManus" userId="4a41d8b392a254fb" providerId="LiveId" clId="{6D213C2C-0BAE-4945-9597-5DD83DE25937}" dt="2024-04-16T01:28:20.197" v="3380" actId="20577"/>
-          <ac:spMkLst>
-            <pc:docMk/>
-            <pc:sldMk cId="1358280927" sldId="435"/>
-            <ac:spMk id="2" creationId="{AD31E2AB-5FFC-3FE9-BAE8-7607BBFB6C61}"/>
-          </ac:spMkLst>
-        </pc:spChg>
-        <pc:spChg chg="mod ord">
-          <ac:chgData name="Tami McManus" userId="4a41d8b392a254fb" providerId="LiveId" clId="{6D213C2C-0BAE-4945-9597-5DD83DE25937}" dt="2024-04-17T14:40:08.978" v="5045" actId="6549"/>
-          <ac:spMkLst>
-            <pc:docMk/>
-            <pc:sldMk cId="1358280927" sldId="435"/>
-            <ac:spMk id="3" creationId="{4BB888DC-33F8-08EC-A912-A7D6942139EC}"/>
-          </ac:spMkLst>
-        </pc:spChg>
-        <pc:spChg chg="add del mod ord">
-          <ac:chgData name="Tami McManus" userId="4a41d8b392a254fb" providerId="LiveId" clId="{6D213C2C-0BAE-4945-9597-5DD83DE25937}" dt="2024-04-16T01:28:08.226" v="3363" actId="478"/>
-          <ac:spMkLst>
-            <pc:docMk/>
-            <pc:sldMk cId="1358280927" sldId="435"/>
-            <ac:spMk id="7" creationId="{D8DEAF04-67D8-9A15-F19C-752A89C36C78}"/>
-          </ac:spMkLst>
-        </pc:spChg>
-        <pc:picChg chg="add mod">
-          <ac:chgData name="Tami McManus" userId="4a41d8b392a254fb" providerId="LiveId" clId="{6D213C2C-0BAE-4945-9597-5DD83DE25937}" dt="2024-04-16T01:28:46.740" v="3387" actId="1076"/>
-          <ac:picMkLst>
-            <pc:docMk/>
-            <pc:sldMk cId="1358280927" sldId="435"/>
-            <ac:picMk id="5" creationId="{108352A4-CFBA-79FC-FA70-6F20C4971E7D}"/>
-          </ac:picMkLst>
-        </pc:picChg>
-        <pc:picChg chg="del">
-          <ac:chgData name="Tami McManus" userId="4a41d8b392a254fb" providerId="LiveId" clId="{6D213C2C-0BAE-4945-9597-5DD83DE25937}" dt="2024-04-16T01:19:43.666" v="2746" actId="478"/>
-          <ac:picMkLst>
-            <pc:docMk/>
-            <pc:sldMk cId="1358280927" sldId="435"/>
-            <ac:picMk id="6" creationId="{8546EA65-FEF9-E41B-1A0B-D35BC13B6B8B}"/>
-          </ac:picMkLst>
-        </pc:picChg>
-      </pc:sldChg>
-      <pc:sldChg chg="addSp modSp new mod ord">
-        <pc:chgData name="Tami McManus" userId="4a41d8b392a254fb" providerId="LiveId" clId="{6D213C2C-0BAE-4945-9597-5DD83DE25937}" dt="2024-04-16T18:53:25.201" v="3737" actId="20577"/>
-        <pc:sldMkLst>
-          <pc:docMk/>
-          <pc:sldMk cId="2836359696" sldId="436"/>
-        </pc:sldMkLst>
-        <pc:spChg chg="mod">
-          <ac:chgData name="Tami McManus" userId="4a41d8b392a254fb" providerId="LiveId" clId="{6D213C2C-0BAE-4945-9597-5DD83DE25937}" dt="2024-04-16T18:49:10.842" v="3629" actId="20577"/>
-          <ac:spMkLst>
-            <pc:docMk/>
-            <pc:sldMk cId="2836359696" sldId="436"/>
-            <ac:spMk id="2" creationId="{F1DFFAD3-1AE6-5AAD-992D-DAACA671FBAC}"/>
-          </ac:spMkLst>
-        </pc:spChg>
-        <pc:spChg chg="mod">
-          <ac:chgData name="Tami McManus" userId="4a41d8b392a254fb" providerId="LiveId" clId="{6D213C2C-0BAE-4945-9597-5DD83DE25937}" dt="2024-04-16T18:53:25.201" v="3737" actId="20577"/>
-          <ac:spMkLst>
-            <pc:docMk/>
-            <pc:sldMk cId="2836359696" sldId="436"/>
-            <ac:spMk id="3" creationId="{626DD2FD-ED26-5020-AA6C-28A8EF0B4207}"/>
-          </ac:spMkLst>
-        </pc:spChg>
-        <pc:picChg chg="add mod">
-          <ac:chgData name="Tami McManus" userId="4a41d8b392a254fb" providerId="LiveId" clId="{6D213C2C-0BAE-4945-9597-5DD83DE25937}" dt="2024-04-16T18:53:03.557" v="3673" actId="14100"/>
-          <ac:picMkLst>
-            <pc:docMk/>
-            <pc:sldMk cId="2836359696" sldId="436"/>
-            <ac:picMk id="5" creationId="{ECA8C4F4-2925-EEF2-C69E-756608BF51B4}"/>
-          </ac:picMkLst>
-        </pc:picChg>
-      </pc:sldChg>
-      <pc:sldChg chg="addSp delSp modSp add mod">
-        <pc:chgData name="Tami McManus" userId="4a41d8b392a254fb" providerId="LiveId" clId="{6D213C2C-0BAE-4945-9597-5DD83DE25937}" dt="2024-04-17T14:39:27.185" v="4950" actId="20577"/>
-        <pc:sldMkLst>
-          <pc:docMk/>
-          <pc:sldMk cId="2977110448" sldId="437"/>
-        </pc:sldMkLst>
-        <pc:spChg chg="mod">
-          <ac:chgData name="Tami McManus" userId="4a41d8b392a254fb" providerId="LiveId" clId="{6D213C2C-0BAE-4945-9597-5DD83DE25937}" dt="2024-04-16T18:43:44.962" v="3421" actId="20577"/>
-          <ac:spMkLst>
-            <pc:docMk/>
-            <pc:sldMk cId="2977110448" sldId="437"/>
-            <ac:spMk id="2" creationId="{AD31E2AB-5FFC-3FE9-BAE8-7607BBFB6C61}"/>
-          </ac:spMkLst>
-        </pc:spChg>
-        <pc:spChg chg="mod">
-          <ac:chgData name="Tami McManus" userId="4a41d8b392a254fb" providerId="LiveId" clId="{6D213C2C-0BAE-4945-9597-5DD83DE25937}" dt="2024-04-17T14:39:27.185" v="4950" actId="20577"/>
-          <ac:spMkLst>
-            <pc:docMk/>
-            <pc:sldMk cId="2977110448" sldId="437"/>
-            <ac:spMk id="3" creationId="{4BB888DC-33F8-08EC-A912-A7D6942139EC}"/>
-          </ac:spMkLst>
-        </pc:spChg>
-        <pc:picChg chg="del">
-          <ac:chgData name="Tami McManus" userId="4a41d8b392a254fb" providerId="LiveId" clId="{6D213C2C-0BAE-4945-9597-5DD83DE25937}" dt="2024-04-16T18:44:47.253" v="3422" actId="478"/>
-          <ac:picMkLst>
-            <pc:docMk/>
-            <pc:sldMk cId="2977110448" sldId="437"/>
-            <ac:picMk id="5" creationId="{B64FC4FE-1878-BF46-4FC7-9BB434D66D0A}"/>
-          </ac:picMkLst>
-        </pc:picChg>
-        <pc:picChg chg="add mod">
-          <ac:chgData name="Tami McManus" userId="4a41d8b392a254fb" providerId="LiveId" clId="{6D213C2C-0BAE-4945-9597-5DD83DE25937}" dt="2024-04-16T18:45:23.700" v="3426" actId="1440"/>
-          <ac:picMkLst>
-            <pc:docMk/>
-            <pc:sldMk cId="2977110448" sldId="437"/>
-            <ac:picMk id="6" creationId="{9172ABDB-2765-AA34-53CD-AA48BEAEE805}"/>
-          </ac:picMkLst>
-        </pc:picChg>
-      </pc:sldChg>
-      <pc:sldChg chg="addSp delSp modSp add mod">
-        <pc:chgData name="Tami McManus" userId="4a41d8b392a254fb" providerId="LiveId" clId="{6D213C2C-0BAE-4945-9597-5DD83DE25937}" dt="2024-04-17T14:40:49.835" v="5119" actId="20577"/>
-        <pc:sldMkLst>
-          <pc:docMk/>
-          <pc:sldMk cId="3840791675" sldId="438"/>
-        </pc:sldMkLst>
-        <pc:spChg chg="mod">
-          <ac:chgData name="Tami McManus" userId="4a41d8b392a254fb" providerId="LiveId" clId="{6D213C2C-0BAE-4945-9597-5DD83DE25937}" dt="2024-04-16T18:55:41.115" v="3758" actId="20577"/>
-          <ac:spMkLst>
-            <pc:docMk/>
-            <pc:sldMk cId="3840791675" sldId="438"/>
-            <ac:spMk id="2" creationId="{F1DFFAD3-1AE6-5AAD-992D-DAACA671FBAC}"/>
-          </ac:spMkLst>
-        </pc:spChg>
-        <pc:spChg chg="mod">
-          <ac:chgData name="Tami McManus" userId="4a41d8b392a254fb" providerId="LiveId" clId="{6D213C2C-0BAE-4945-9597-5DD83DE25937}" dt="2024-04-17T14:40:49.835" v="5119" actId="20577"/>
-          <ac:spMkLst>
-            <pc:docMk/>
-            <pc:sldMk cId="3840791675" sldId="438"/>
-            <ac:spMk id="3" creationId="{626DD2FD-ED26-5020-AA6C-28A8EF0B4207}"/>
-          </ac:spMkLst>
-        </pc:spChg>
-        <pc:picChg chg="del">
-          <ac:chgData name="Tami McManus" userId="4a41d8b392a254fb" providerId="LiveId" clId="{6D213C2C-0BAE-4945-9597-5DD83DE25937}" dt="2024-04-16T18:55:43.475" v="3759" actId="478"/>
-          <ac:picMkLst>
-            <pc:docMk/>
-            <pc:sldMk cId="3840791675" sldId="438"/>
-            <ac:picMk id="5" creationId="{ECA8C4F4-2925-EEF2-C69E-756608BF51B4}"/>
-          </ac:picMkLst>
-        </pc:picChg>
-        <pc:picChg chg="add mod">
-          <ac:chgData name="Tami McManus" userId="4a41d8b392a254fb" providerId="LiveId" clId="{6D213C2C-0BAE-4945-9597-5DD83DE25937}" dt="2024-04-16T18:56:00.586" v="3763" actId="1076"/>
-          <ac:picMkLst>
-            <pc:docMk/>
-            <pc:sldMk cId="3840791675" sldId="438"/>
-            <ac:picMk id="6" creationId="{02B704E4-169D-7CC3-B217-D10C693A6970}"/>
-          </ac:picMkLst>
-        </pc:picChg>
-      </pc:sldChg>
-      <pc:sldChg chg="addSp delSp modSp new mod ord modClrScheme chgLayout">
-        <pc:chgData name="Tami McManus" userId="4a41d8b392a254fb" providerId="LiveId" clId="{6D213C2C-0BAE-4945-9597-5DD83DE25937}" dt="2024-04-16T21:07:49.423" v="4602" actId="1076"/>
-        <pc:sldMkLst>
-          <pc:docMk/>
-          <pc:sldMk cId="678769448" sldId="439"/>
-        </pc:sldMkLst>
-        <pc:spChg chg="mod ord">
-          <ac:chgData name="Tami McManus" userId="4a41d8b392a254fb" providerId="LiveId" clId="{6D213C2C-0BAE-4945-9597-5DD83DE25937}" dt="2024-04-16T19:36:08.311" v="4178" actId="700"/>
-          <ac:spMkLst>
-            <pc:docMk/>
-            <pc:sldMk cId="678769448" sldId="439"/>
-            <ac:spMk id="2" creationId="{DD0A7617-6FAC-E1BD-E69F-173B0635CB95}"/>
-          </ac:spMkLst>
-        </pc:spChg>
-        <pc:spChg chg="mod ord">
-          <ac:chgData name="Tami McManus" userId="4a41d8b392a254fb" providerId="LiveId" clId="{6D213C2C-0BAE-4945-9597-5DD83DE25937}" dt="2024-04-16T20:53:29.601" v="4188" actId="14100"/>
-          <ac:spMkLst>
-            <pc:docMk/>
-            <pc:sldMk cId="678769448" sldId="439"/>
-            <ac:spMk id="3" creationId="{D8935AF6-0B1A-CFFE-F31D-32C5EB408B4F}"/>
-          </ac:spMkLst>
-        </pc:spChg>
-        <pc:spChg chg="add del">
-          <ac:chgData name="Tami McManus" userId="4a41d8b392a254fb" providerId="LiveId" clId="{6D213C2C-0BAE-4945-9597-5DD83DE25937}" dt="2024-04-16T19:23:49.630" v="4028" actId="478"/>
-          <ac:spMkLst>
-            <pc:docMk/>
-            <pc:sldMk cId="678769448" sldId="439"/>
-            <ac:spMk id="5" creationId="{798D05C4-7A05-D783-0A44-34E5E56F7F14}"/>
-          </ac:spMkLst>
-        </pc:spChg>
-        <pc:spChg chg="add del mod ord">
-          <ac:chgData name="Tami McManus" userId="4a41d8b392a254fb" providerId="LiveId" clId="{6D213C2C-0BAE-4945-9597-5DD83DE25937}" dt="2024-04-16T20:52:57.910" v="4180" actId="478"/>
-          <ac:spMkLst>
-            <pc:docMk/>
-            <pc:sldMk cId="678769448" sldId="439"/>
-            <ac:spMk id="10" creationId="{D624EE3A-8A3F-6DEC-6691-9D8F6ACA688B}"/>
-          </ac:spMkLst>
-        </pc:spChg>
-        <pc:picChg chg="add del mod">
-          <ac:chgData name="Tami McManus" userId="4a41d8b392a254fb" providerId="LiveId" clId="{6D213C2C-0BAE-4945-9597-5DD83DE25937}" dt="2024-04-16T19:32:37.029" v="4031" actId="478"/>
-          <ac:picMkLst>
-            <pc:docMk/>
-            <pc:sldMk cId="678769448" sldId="439"/>
-            <ac:picMk id="7" creationId="{1989E5EC-467A-8853-4E98-E66D4E72A12C}"/>
-          </ac:picMkLst>
-        </pc:picChg>
-        <pc:picChg chg="add mod">
-          <ac:chgData name="Tami McManus" userId="4a41d8b392a254fb" providerId="LiveId" clId="{6D213C2C-0BAE-4945-9597-5DD83DE25937}" dt="2024-04-16T21:07:49.423" v="4602" actId="1076"/>
-          <ac:picMkLst>
-            <pc:docMk/>
-            <pc:sldMk cId="678769448" sldId="439"/>
-            <ac:picMk id="9" creationId="{4D2C8E9B-1345-CA53-F062-3FA85FD693CC}"/>
-          </ac:picMkLst>
-        </pc:picChg>
-      </pc:sldChg>
-      <pc:sldChg chg="addSp delSp modSp add mod ord">
-        <pc:chgData name="Tami McManus" userId="4a41d8b392a254fb" providerId="LiveId" clId="{6D213C2C-0BAE-4945-9597-5DD83DE25937}" dt="2024-04-16T21:08:13.495" v="4624" actId="6549"/>
-        <pc:sldMkLst>
-          <pc:docMk/>
-          <pc:sldMk cId="3056329100" sldId="440"/>
-        </pc:sldMkLst>
-        <pc:spChg chg="mod">
-          <ac:chgData name="Tami McManus" userId="4a41d8b392a254fb" providerId="LiveId" clId="{6D213C2C-0BAE-4945-9597-5DD83DE25937}" dt="2024-04-16T21:08:13.495" v="4624" actId="6549"/>
-          <ac:spMkLst>
-            <pc:docMk/>
-            <pc:sldMk cId="3056329100" sldId="440"/>
-            <ac:spMk id="3" creationId="{D8935AF6-0B1A-CFFE-F31D-32C5EB408B4F}"/>
-          </ac:spMkLst>
-        </pc:spChg>
-        <pc:picChg chg="add mod">
-          <ac:chgData name="Tami McManus" userId="4a41d8b392a254fb" providerId="LiveId" clId="{6D213C2C-0BAE-4945-9597-5DD83DE25937}" dt="2024-04-16T20:57:00.491" v="4292" actId="1036"/>
-          <ac:picMkLst>
-            <pc:docMk/>
-            <pc:sldMk cId="3056329100" sldId="440"/>
-            <ac:picMk id="5" creationId="{078751FA-C6B4-482E-B135-2096F150B6F2}"/>
-          </ac:picMkLst>
-        </pc:picChg>
-        <pc:picChg chg="del">
-          <ac:chgData name="Tami McManus" userId="4a41d8b392a254fb" providerId="LiveId" clId="{6D213C2C-0BAE-4945-9597-5DD83DE25937}" dt="2024-04-16T20:53:06.773" v="4182" actId="478"/>
-          <ac:picMkLst>
-            <pc:docMk/>
-            <pc:sldMk cId="3056329100" sldId="440"/>
-            <ac:picMk id="9" creationId="{4D2C8E9B-1345-CA53-F062-3FA85FD693CC}"/>
-          </ac:picMkLst>
-        </pc:picChg>
-      </pc:sldChg>
-      <pc:sldChg chg="addSp delSp modSp add mod ord">
-        <pc:chgData name="Tami McManus" userId="4a41d8b392a254fb" providerId="LiveId" clId="{6D213C2C-0BAE-4945-9597-5DD83DE25937}" dt="2024-04-16T21:04:56.162" v="4537" actId="14100"/>
-        <pc:sldMkLst>
-          <pc:docMk/>
-          <pc:sldMk cId="4520784" sldId="441"/>
-        </pc:sldMkLst>
-        <pc:spChg chg="mod">
-          <ac:chgData name="Tami McManus" userId="4a41d8b392a254fb" providerId="LiveId" clId="{6D213C2C-0BAE-4945-9597-5DD83DE25937}" dt="2024-04-16T21:01:28.699" v="4514" actId="20577"/>
-          <ac:spMkLst>
-            <pc:docMk/>
-            <pc:sldMk cId="4520784" sldId="441"/>
-            <ac:spMk id="3" creationId="{D8935AF6-0B1A-CFFE-F31D-32C5EB408B4F}"/>
-          </ac:spMkLst>
-        </pc:spChg>
-        <pc:spChg chg="add del mod">
-          <ac:chgData name="Tami McManus" userId="4a41d8b392a254fb" providerId="LiveId" clId="{6D213C2C-0BAE-4945-9597-5DD83DE25937}" dt="2024-04-16T21:01:33.175" v="4515" actId="478"/>
-          <ac:spMkLst>
-            <pc:docMk/>
-            <pc:sldMk cId="4520784" sldId="441"/>
-            <ac:spMk id="7" creationId="{AE8B78B2-D739-F974-A452-56FAD95EABDA}"/>
-          </ac:spMkLst>
-        </pc:spChg>
-        <pc:picChg chg="del mod">
-          <ac:chgData name="Tami McManus" userId="4a41d8b392a254fb" providerId="LiveId" clId="{6D213C2C-0BAE-4945-9597-5DD83DE25937}" dt="2024-04-16T20:57:33.580" v="4294" actId="478"/>
-          <ac:picMkLst>
-            <pc:docMk/>
-            <pc:sldMk cId="4520784" sldId="441"/>
-            <ac:picMk id="5" creationId="{078751FA-C6B4-482E-B135-2096F150B6F2}"/>
-          </ac:picMkLst>
-        </pc:picChg>
-        <pc:picChg chg="add mod">
-          <ac:chgData name="Tami McManus" userId="4a41d8b392a254fb" providerId="LiveId" clId="{6D213C2C-0BAE-4945-9597-5DD83DE25937}" dt="2024-04-16T21:04:56.162" v="4537" actId="14100"/>
-          <ac:picMkLst>
-            <pc:docMk/>
-            <pc:sldMk cId="4520784" sldId="441"/>
-            <ac:picMk id="6" creationId="{E526A546-93B7-B21E-134F-12AE7233F2A1}"/>
-          </ac:picMkLst>
-        </pc:picChg>
-      </pc:sldChg>
-      <pc:sldChg chg="addSp delSp modSp add mod">
-        <pc:chgData name="Tami McManus" userId="4a41d8b392a254fb" providerId="LiveId" clId="{6D213C2C-0BAE-4945-9597-5DD83DE25937}" dt="2024-04-16T21:05:52.948" v="4571" actId="20577"/>
-        <pc:sldMkLst>
-          <pc:docMk/>
-          <pc:sldMk cId="2476979900" sldId="442"/>
-        </pc:sldMkLst>
-        <pc:spChg chg="mod">
-          <ac:chgData name="Tami McManus" userId="4a41d8b392a254fb" providerId="LiveId" clId="{6D213C2C-0BAE-4945-9597-5DD83DE25937}" dt="2024-04-16T21:05:52.948" v="4571" actId="20577"/>
-          <ac:spMkLst>
-            <pc:docMk/>
-            <pc:sldMk cId="2476979900" sldId="442"/>
-            <ac:spMk id="3" creationId="{D8935AF6-0B1A-CFFE-F31D-32C5EB408B4F}"/>
-          </ac:spMkLst>
-        </pc:spChg>
-        <pc:picChg chg="add del mod">
-          <ac:chgData name="Tami McManus" userId="4a41d8b392a254fb" providerId="LiveId" clId="{6D213C2C-0BAE-4945-9597-5DD83DE25937}" dt="2024-04-16T21:03:36.382" v="4524" actId="478"/>
-          <ac:picMkLst>
-            <pc:docMk/>
-            <pc:sldMk cId="2476979900" sldId="442"/>
-            <ac:picMk id="5" creationId="{2ABBD958-3872-A11E-B76B-2E91281AB3BA}"/>
-          </ac:picMkLst>
-        </pc:picChg>
-        <pc:picChg chg="del">
-          <ac:chgData name="Tami McManus" userId="4a41d8b392a254fb" providerId="LiveId" clId="{6D213C2C-0BAE-4945-9597-5DD83DE25937}" dt="2024-04-16T21:02:20.560" v="4517" actId="478"/>
-          <ac:picMkLst>
-            <pc:docMk/>
-            <pc:sldMk cId="2476979900" sldId="442"/>
-            <ac:picMk id="6" creationId="{E526A546-93B7-B21E-134F-12AE7233F2A1}"/>
-          </ac:picMkLst>
-        </pc:picChg>
-        <pc:picChg chg="add mod">
-          <ac:chgData name="Tami McManus" userId="4a41d8b392a254fb" providerId="LiveId" clId="{6D213C2C-0BAE-4945-9597-5DD83DE25937}" dt="2024-04-16T21:05:15.088" v="4539" actId="1440"/>
-          <ac:picMkLst>
-            <pc:docMk/>
-            <pc:sldMk cId="2476979900" sldId="442"/>
-            <ac:picMk id="8" creationId="{BE5FA59E-EE95-093C-B399-B9AB213C2CDF}"/>
-          </ac:picMkLst>
-        </pc:picChg>
-      </pc:sldChg>
-      <pc:sldChg chg="addSp delSp modSp add mod ord">
-        <pc:chgData name="Tami McManus" userId="4a41d8b392a254fb" providerId="LiveId" clId="{6D213C2C-0BAE-4945-9597-5DD83DE25937}" dt="2024-04-16T21:07:21.472" v="4599" actId="1440"/>
-        <pc:sldMkLst>
-          <pc:docMk/>
-          <pc:sldMk cId="1030407377" sldId="443"/>
-        </pc:sldMkLst>
-        <pc:spChg chg="mod">
-          <ac:chgData name="Tami McManus" userId="4a41d8b392a254fb" providerId="LiveId" clId="{6D213C2C-0BAE-4945-9597-5DD83DE25937}" dt="2024-04-16T21:06:29.021" v="4594" actId="20577"/>
-          <ac:spMkLst>
-            <pc:docMk/>
-            <pc:sldMk cId="1030407377" sldId="443"/>
-            <ac:spMk id="3" creationId="{D8935AF6-0B1A-CFFE-F31D-32C5EB408B4F}"/>
-          </ac:spMkLst>
-        </pc:spChg>
-        <pc:picChg chg="add mod">
-          <ac:chgData name="Tami McManus" userId="4a41d8b392a254fb" providerId="LiveId" clId="{6D213C2C-0BAE-4945-9597-5DD83DE25937}" dt="2024-04-16T21:07:21.472" v="4599" actId="1440"/>
-          <ac:picMkLst>
-            <pc:docMk/>
-            <pc:sldMk cId="1030407377" sldId="443"/>
-            <ac:picMk id="5" creationId="{A5F07023-B71B-9792-FA93-A1E17FA745E1}"/>
-          </ac:picMkLst>
-        </pc:picChg>
-        <pc:picChg chg="del">
-          <ac:chgData name="Tami McManus" userId="4a41d8b392a254fb" providerId="LiveId" clId="{6D213C2C-0BAE-4945-9597-5DD83DE25937}" dt="2024-04-16T21:07:06.814" v="4595" actId="478"/>
-          <ac:picMkLst>
-            <pc:docMk/>
-            <pc:sldMk cId="1030407377" sldId="443"/>
-            <ac:picMk id="8" creationId="{BE5FA59E-EE95-093C-B399-B9AB213C2CDF}"/>
-          </ac:picMkLst>
-        </pc:picChg>
-      </pc:sldChg>
-      <pc:sldChg chg="addSp delSp modSp add mod chgLayout">
-        <pc:chgData name="Tami McManus" userId="4a41d8b392a254fb" providerId="LiveId" clId="{6D213C2C-0BAE-4945-9597-5DD83DE25937}" dt="2024-04-17T15:10:52.552" v="7590" actId="20577"/>
-        <pc:sldMkLst>
-          <pc:docMk/>
-          <pc:sldMk cId="2454769331" sldId="444"/>
-        </pc:sldMkLst>
-        <pc:spChg chg="mod">
-          <ac:chgData name="Tami McManus" userId="4a41d8b392a254fb" providerId="LiveId" clId="{6D213C2C-0BAE-4945-9597-5DD83DE25937}" dt="2024-04-17T15:02:44.775" v="6913" actId="26606"/>
-          <ac:spMkLst>
-            <pc:docMk/>
-            <pc:sldMk cId="2454769331" sldId="444"/>
-            <ac:spMk id="2" creationId="{AD31E2AB-5FFC-3FE9-BAE8-7607BBFB6C61}"/>
-          </ac:spMkLst>
-        </pc:spChg>
-        <pc:spChg chg="del">
-          <ac:chgData name="Tami McManus" userId="4a41d8b392a254fb" providerId="LiveId" clId="{6D213C2C-0BAE-4945-9597-5DD83DE25937}" dt="2024-04-17T14:57:03.809" v="6879" actId="478"/>
-          <ac:spMkLst>
-            <pc:docMk/>
-            <pc:sldMk cId="2454769331" sldId="444"/>
-            <ac:spMk id="3" creationId="{4BB888DC-33F8-08EC-A912-A7D6942139EC}"/>
-          </ac:spMkLst>
-        </pc:spChg>
-        <pc:spChg chg="add del mod">
-          <ac:chgData name="Tami McManus" userId="4a41d8b392a254fb" providerId="LiveId" clId="{6D213C2C-0BAE-4945-9597-5DD83DE25937}" dt="2024-04-17T14:57:08.506" v="6880" actId="478"/>
-          <ac:spMkLst>
-            <pc:docMk/>
-            <pc:sldMk cId="2454769331" sldId="444"/>
-            <ac:spMk id="6" creationId="{30A22A23-D7C3-273B-D5A5-EE81E8FB44C7}"/>
-          </ac:spMkLst>
-        </pc:spChg>
-        <pc:graphicFrameChg chg="add mod modGraphic">
-          <ac:chgData name="Tami McManus" userId="4a41d8b392a254fb" providerId="LiveId" clId="{6D213C2C-0BAE-4945-9597-5DD83DE25937}" dt="2024-04-17T15:10:52.552" v="7590" actId="20577"/>
-          <ac:graphicFrameMkLst>
-            <pc:docMk/>
-            <pc:sldMk cId="2454769331" sldId="444"/>
-            <ac:graphicFrameMk id="4" creationId="{B4D7FBB7-E3F4-233F-DA43-6E1D7BAC7C92}"/>
-          </ac:graphicFrameMkLst>
-        </pc:graphicFrameChg>
       </pc:sldChg>
     </pc:docChg>
   </pc:docChgLst>
@@ -34046,48 +32434,6 @@
           </a:graphicData>
         </a:graphic>
       </p:graphicFrame>
-      <p:sp>
-        <p:nvSpPr>
-          <p:cNvPr id="8" name="TextBox 7">
-            <a:extLst>
-              <a:ext uri="{FF2B5EF4-FFF2-40B4-BE49-F238E27FC236}">
-                <a16:creationId xmlns:a16="http://schemas.microsoft.com/office/drawing/2014/main" id="{B002D7FA-4FC5-4DF2-4448-D0F395192B34}"/>
-              </a:ext>
-            </a:extLst>
-          </p:cNvPr>
-          <p:cNvSpPr txBox="1"/>
-          <p:nvPr/>
-        </p:nvSpPr>
-        <p:spPr>
-          <a:xfrm>
-            <a:off x="6258560" y="6210539"/>
-            <a:ext cx="5734945" cy="369332"/>
-          </a:xfrm>
-          <a:prstGeom prst="rect">
-            <a:avLst/>
-          </a:prstGeom>
-          <a:noFill/>
-        </p:spPr>
-        <p:txBody>
-          <a:bodyPr wrap="square" rtlCol="0">
-            <a:spAutoFit/>
-          </a:bodyPr>
-          <a:lstStyle/>
-          <a:p>
-            <a:r>
-              <a:rPr lang="en-US" b="1" i="1" dirty="0">
-                <a:solidFill>
-                  <a:schemeClr val="bg1">
-                    <a:lumMod val="50000"/>
-                    <a:lumOff val="50000"/>
-                  </a:schemeClr>
-                </a:solidFill>
-              </a:rPr>
-              <a:t>A complete list of variables is included in the Appendix</a:t>
-            </a:r>
-          </a:p>
-        </p:txBody>
-      </p:sp>
     </p:spTree>
     <p:extLst>
       <p:ext uri="{BB962C8B-B14F-4D97-AF65-F5344CB8AC3E}">
@@ -35244,15 +33590,6 @@
 </file>
 
 <file path=customXml/item1.xml><?xml version="1.0" encoding="utf-8"?>
-<?mso-contentType ?>
-<FormTemplates xmlns="http://schemas.microsoft.com/sharepoint/v3/contenttype/forms">
-  <Display>DocumentLibraryForm</Display>
-  <Edit>DocumentLibraryForm</Edit>
-  <New>DocumentLibraryForm</New>
-</FormTemplates>
-</file>
-
-<file path=customXml/item2.xml><?xml version="1.0" encoding="utf-8"?>
 <ct:contentTypeSchema xmlns:ct="http://schemas.microsoft.com/office/2006/metadata/contentType" xmlns:ma="http://schemas.microsoft.com/office/2006/metadata/properties/metaAttributes" ct:_="" ma:_="" ma:contentTypeName="Document" ma:contentTypeID="0x01010079F111ED35F8CC479449609E8A0923A6" ma:contentTypeVersion="28" ma:contentTypeDescription="Create a new document." ma:contentTypeScope="" ma:versionID="60f5a4f2d2b0abadcf532d48ebf9cb71">
   <xsd:schema xmlns:xsd="http://www.w3.org/2001/XMLSchema" xmlns:xs="http://www.w3.org/2001/XMLSchema" xmlns:p="http://schemas.microsoft.com/office/2006/metadata/properties" xmlns:ns1="http://schemas.microsoft.com/sharepoint/v3" xmlns:ns2="71af3243-3dd4-4a8d-8c0d-dd76da1f02a5" xmlns:ns3="16c05727-aa75-4e4a-9b5f-8a80a1165891" xmlns:ns4="230e9df3-be65-4c73-a93b-d1236ebd677e" targetNamespace="http://schemas.microsoft.com/office/2006/metadata/properties" ma:root="true" ma:fieldsID="7dd78129e6a1811f84807ad11c651531" ns1:_="" ns2:_="" ns3:_="" ns4:_="">
     <xsd:import namespace="http://schemas.microsoft.com/sharepoint/v3"/>
@@ -35564,7 +33901,7 @@
 </ct:contentTypeSchema>
 </file>
 
-<file path=customXml/item3.xml><?xml version="1.0" encoding="utf-8"?>
+<file path=customXml/item2.xml><?xml version="1.0" encoding="utf-8"?>
 <p:properties xmlns:p="http://schemas.microsoft.com/office/2006/metadata/properties" xmlns:xsi="http://www.w3.org/2001/XMLSchema-instance" xmlns:pc="http://schemas.microsoft.com/office/infopath/2007/PartnerControls">
   <documentManagement>
     <Background xmlns="71af3243-3dd4-4a8d-8c0d-dd76da1f02a5">false</Background>
@@ -35584,15 +33921,16 @@
 </p:properties>
 </file>
 
-<file path=customXml/itemProps1.xml><?xml version="1.0" encoding="utf-8"?>
-<ds:datastoreItem xmlns:ds="http://schemas.openxmlformats.org/officeDocument/2006/customXml" ds:itemID="{C21FFAC0-05A2-416A-B06C-C248395482CF}">
-  <ds:schemaRefs>
-    <ds:schemaRef ds:uri="http://schemas.microsoft.com/sharepoint/v3/contenttype/forms"/>
-  </ds:schemaRefs>
-</ds:datastoreItem>
+<file path=customXml/item3.xml><?xml version="1.0" encoding="utf-8"?>
+<?mso-contentType ?>
+<FormTemplates xmlns="http://schemas.microsoft.com/sharepoint/v3/contenttype/forms">
+  <Display>DocumentLibraryForm</Display>
+  <Edit>DocumentLibraryForm</Edit>
+  <New>DocumentLibraryForm</New>
+</FormTemplates>
 </file>
 
-<file path=customXml/itemProps2.xml><?xml version="1.0" encoding="utf-8"?>
+<file path=customXml/itemProps1.xml><?xml version="1.0" encoding="utf-8"?>
 <ds:datastoreItem xmlns:ds="http://schemas.openxmlformats.org/officeDocument/2006/customXml" ds:itemID="{92DB9E12-8AC3-4138-BF4D-720A5525AB10}">
   <ds:schemaRefs>
     <ds:schemaRef ds:uri="http://schemas.microsoft.com/office/2006/metadata/contentType"/>
@@ -35613,14 +33951,29 @@
 </ds:datastoreItem>
 </file>
 
-<file path=customXml/itemProps3.xml><?xml version="1.0" encoding="utf-8"?>
+<file path=customXml/itemProps2.xml><?xml version="1.0" encoding="utf-8"?>
 <ds:datastoreItem xmlns:ds="http://schemas.openxmlformats.org/officeDocument/2006/customXml" ds:itemID="{4F4B194E-8B30-4377-8C59-ECFB902D2A26}">
   <ds:schemaRefs>
-    <ds:schemaRef ds:uri="http://schemas.microsoft.com/office/2006/metadata/properties"/>
+    <ds:schemaRef ds:uri="16c05727-aa75-4e4a-9b5f-8a80a1165891"/>
     <ds:schemaRef ds:uri="http://schemas.microsoft.com/office/infopath/2007/PartnerControls"/>
+    <ds:schemaRef ds:uri="http://purl.org/dc/terms/"/>
+    <ds:schemaRef ds:uri="http://purl.org/dc/elements/1.1/"/>
+    <ds:schemaRef ds:uri="http://schemas.openxmlformats.org/package/2006/metadata/core-properties"/>
+    <ds:schemaRef ds:uri="http://schemas.microsoft.com/office/2006/documentManagement/types"/>
+    <ds:schemaRef ds:uri="230e9df3-be65-4c73-a93b-d1236ebd677e"/>
+    <ds:schemaRef ds:uri="http://purl.org/dc/dcmitype/"/>
+    <ds:schemaRef ds:uri="http://www.w3.org/XML/1998/namespace"/>
     <ds:schemaRef ds:uri="71af3243-3dd4-4a8d-8c0d-dd76da1f02a5"/>
     <ds:schemaRef ds:uri="http://schemas.microsoft.com/sharepoint/v3"/>
-    <ds:schemaRef ds:uri="230e9df3-be65-4c73-a93b-d1236ebd677e"/>
+    <ds:schemaRef ds:uri="http://schemas.microsoft.com/office/2006/metadata/properties"/>
+  </ds:schemaRefs>
+</ds:datastoreItem>
+</file>
+
+<file path=customXml/itemProps3.xml><?xml version="1.0" encoding="utf-8"?>
+<ds:datastoreItem xmlns:ds="http://schemas.openxmlformats.org/officeDocument/2006/customXml" ds:itemID="{C21FFAC0-05A2-416A-B06C-C248395482CF}">
+  <ds:schemaRefs>
+    <ds:schemaRef ds:uri="http://schemas.microsoft.com/sharepoint/v3/contenttype/forms"/>
   </ds:schemaRefs>
 </ds:datastoreItem>
 </file>
